--- a/teams/23-平行时空/docs/平行时空参赛项目 契约链.pptx
+++ b/teams/23-平行时空/docs/平行时空参赛项目 契约链.pptx
@@ -15,10 +15,12 @@
     <p:sldId id="268" r:id="rId9"/>
     <p:sldId id="267" r:id="rId10"/>
     <p:sldId id="263" r:id="rId11"/>
-    <p:sldId id="275" r:id="rId12"/>
-    <p:sldId id="278" r:id="rId13"/>
-    <p:sldId id="279" r:id="rId14"/>
-    <p:sldId id="269" r:id="rId15"/>
+    <p:sldId id="280" r:id="rId12"/>
+    <p:sldId id="282" r:id="rId13"/>
+    <p:sldId id="275" r:id="rId14"/>
+    <p:sldId id="278" r:id="rId15"/>
+    <p:sldId id="279" r:id="rId16"/>
+    <p:sldId id="269" r:id="rId17"/>
   </p:sldIdLst>
   <p:sldSz cx="12192000" cy="6858000"/>
   <p:notesSz cx="6858000" cy="9144000"/>
@@ -2709,17 +2711,7 @@
                 <a:latin typeface="华文新魏" panose="02010800040101010101" pitchFamily="2" charset="-122"/>
                 <a:ea typeface="华文新魏" panose="02010800040101010101" pitchFamily="2" charset="-122"/>
               </a:rPr>
-              <a:t>平行</a:t>
-            </a:r>
-            <a:r>
-              <a:rPr lang="zh-CN" altLang="en-US" dirty="0" smtClean="0">
-                <a:solidFill>
-                  <a:schemeClr val="tx1"/>
-                </a:solidFill>
-                <a:latin typeface="华文新魏" panose="02010800040101010101" pitchFamily="2" charset="-122"/>
-                <a:ea typeface="华文新魏" panose="02010800040101010101" pitchFamily="2" charset="-122"/>
-              </a:rPr>
-              <a:t>时空团队</a:t>
+              <a:t>平行时空团队</a:t>
             </a:r>
             <a:endParaRPr lang="zh-CN" altLang="en-US" dirty="0">
               <a:solidFill>
@@ -3213,7 +3205,7 @@
         </p:nvSpPr>
         <p:spPr>
           <a:xfrm>
-            <a:off x="997858" y="1054554"/>
+            <a:off x="677347" y="3364121"/>
             <a:ext cx="10515600" cy="2679246"/>
           </a:xfrm>
           <a:prstGeom prst="rect">
@@ -3246,26 +3238,105 @@
           <a:p>
             <a:r>
               <a:rPr lang="zh-CN" altLang="en-US" dirty="0" smtClean="0"/>
-              <a:t>契约</a:t>
+              <a:t>底层逻辑</a:t>
             </a:r>
             <a:r>
               <a:rPr lang="zh-CN" altLang="en-US" dirty="0" smtClean="0"/>
-              <a:t>链</a:t>
-            </a:r>
-            <a:endParaRPr lang="en-US" altLang="zh-CN" dirty="0" smtClean="0"/>
-          </a:p>
-          <a:p>
-            <a:endParaRPr lang="en-US" altLang="zh-CN" dirty="0"/>
-          </a:p>
-          <a:p>
+              <a:t>：将</a:t>
+            </a:r>
             <a:r>
               <a:rPr lang="zh-CN" altLang="en-US" dirty="0" smtClean="0"/>
-              <a:t>就是将企业内部的契约通过区块链的共识和历史数据外化到整个社会。</a:t>
+              <a:t>企业内部的契约通过区块链的共识和历史数据外化到整个社会。</a:t>
             </a:r>
             <a:endParaRPr lang="zh-CN" altLang="en-US" dirty="0"/>
           </a:p>
         </p:txBody>
       </p:sp>
+      <p:sp>
+        <p:nvSpPr>
+          <p:cNvPr id="3" name="标题 1"/>
+          <p:cNvSpPr txBox="1">
+            <a:spLocks/>
+          </p:cNvSpPr>
+          <p:nvPr/>
+        </p:nvSpPr>
+        <p:spPr>
+          <a:xfrm>
+            <a:off x="5159604" y="1744532"/>
+            <a:ext cx="2296998" cy="2387600"/>
+          </a:xfrm>
+          <a:prstGeom prst="rect">
+            <a:avLst/>
+          </a:prstGeom>
+        </p:spPr>
+        <p:txBody>
+          <a:bodyPr vert="horz" lIns="91440" tIns="45720" rIns="91440" bIns="45720" rtlCol="0" anchor="ctr">
+            <a:normAutofit/>
+          </a:bodyPr>
+          <a:lstStyle>
+            <a:lvl1pPr algn="l" defTabSz="914400" rtl="0" eaLnBrk="1" latinLnBrk="0" hangingPunct="1">
+              <a:lnSpc>
+                <a:spcPct val="90000"/>
+              </a:lnSpc>
+              <a:spcBef>
+                <a:spcPct val="0"/>
+              </a:spcBef>
+              <a:buNone/>
+              <a:defRPr sz="4400" kern="1200">
+                <a:solidFill>
+                  <a:schemeClr val="tx1"/>
+                </a:solidFill>
+                <a:latin typeface="+mj-lt"/>
+                <a:ea typeface="+mj-ea"/>
+                <a:cs typeface="+mj-cs"/>
+              </a:defRPr>
+            </a:lvl1pPr>
+          </a:lstStyle>
+          <a:p>
+            <a:r>
+              <a:rPr lang="zh-CN" altLang="en-US" sz="8000" dirty="0" smtClean="0">
+                <a:latin typeface="华文新魏" panose="02010800040101010101" pitchFamily="2" charset="-122"/>
+                <a:ea typeface="华文新魏" panose="02010800040101010101" pitchFamily="2" charset="-122"/>
+              </a:rPr>
+              <a:t>约链</a:t>
+            </a:r>
+            <a:endParaRPr lang="zh-CN" altLang="en-US" sz="8000" dirty="0">
+              <a:latin typeface="华文新魏" panose="02010800040101010101" pitchFamily="2" charset="-122"/>
+              <a:ea typeface="华文新魏" panose="02010800040101010101" pitchFamily="2" charset="-122"/>
+            </a:endParaRPr>
+          </a:p>
+        </p:txBody>
+      </p:sp>
+      <p:pic>
+        <p:nvPicPr>
+          <p:cNvPr id="4" name="图片 3"/>
+          <p:cNvPicPr>
+            <a:picLocks noChangeAspect="1"/>
+          </p:cNvPicPr>
+          <p:nvPr/>
+        </p:nvPicPr>
+        <p:blipFill>
+          <a:blip r:embed="rId2">
+            <a:extLst>
+              <a:ext uri="{28A0092B-C50C-407E-A947-70E740481C1C}">
+                <a14:useLocalDpi xmlns:a14="http://schemas.microsoft.com/office/drawing/2010/main" val="0"/>
+              </a:ext>
+            </a:extLst>
+          </a:blip>
+          <a:stretch>
+            <a:fillRect/>
+          </a:stretch>
+        </p:blipFill>
+        <p:spPr>
+          <a:xfrm>
+            <a:off x="3860405" y="2059698"/>
+            <a:ext cx="1580219" cy="1580219"/>
+          </a:xfrm>
+          <a:prstGeom prst="rect">
+            <a:avLst/>
+          </a:prstGeom>
+        </p:spPr>
+      </p:pic>
     </p:spTree>
     <p:extLst>
       <p:ext uri="{BB962C8B-B14F-4D97-AF65-F5344CB8AC3E}">
@@ -3298,6 +3369,612 @@
       </p:grpSpPr>
       <p:sp>
         <p:nvSpPr>
+          <p:cNvPr id="6" name="矩形 5"/>
+          <p:cNvSpPr/>
+          <p:nvPr/>
+        </p:nvSpPr>
+        <p:spPr>
+          <a:xfrm>
+            <a:off x="2554663" y="1951349"/>
+            <a:ext cx="2036189" cy="886120"/>
+          </a:xfrm>
+          <a:prstGeom prst="rect">
+            <a:avLst/>
+          </a:prstGeom>
+        </p:spPr>
+        <p:style>
+          <a:lnRef idx="3">
+            <a:schemeClr val="lt1"/>
+          </a:lnRef>
+          <a:fillRef idx="1">
+            <a:schemeClr val="dk1"/>
+          </a:fillRef>
+          <a:effectRef idx="1">
+            <a:schemeClr val="dk1"/>
+          </a:effectRef>
+          <a:fontRef idx="minor">
+            <a:schemeClr val="lt1"/>
+          </a:fontRef>
+        </p:style>
+        <p:txBody>
+          <a:bodyPr rtlCol="0" anchor="ctr"/>
+          <a:lstStyle/>
+          <a:p>
+            <a:pPr algn="ctr"/>
+            <a:r>
+              <a:rPr lang="zh-CN" altLang="en-US" dirty="0">
+                <a:solidFill>
+                  <a:schemeClr val="lt1"/>
+                </a:solidFill>
+              </a:rPr>
+              <a:t>信用双花</a:t>
+            </a:r>
+            <a:endParaRPr lang="en-US" altLang="zh-CN" dirty="0">
+              <a:solidFill>
+                <a:schemeClr val="lt1"/>
+              </a:solidFill>
+            </a:endParaRPr>
+          </a:p>
+        </p:txBody>
+      </p:sp>
+      <p:sp>
+        <p:nvSpPr>
+          <p:cNvPr id="7" name="文本框 6"/>
+          <p:cNvSpPr txBox="1"/>
+          <p:nvPr/>
+        </p:nvSpPr>
+        <p:spPr>
+          <a:xfrm>
+            <a:off x="4779389" y="942680"/>
+            <a:ext cx="1569660" cy="369332"/>
+          </a:xfrm>
+          <a:prstGeom prst="rect">
+            <a:avLst/>
+          </a:prstGeom>
+          <a:noFill/>
+        </p:spPr>
+        <p:txBody>
+          <a:bodyPr wrap="none" rtlCol="0">
+            <a:spAutoFit/>
+          </a:bodyPr>
+          <a:lstStyle/>
+          <a:p>
+            <a:r>
+              <a:rPr lang="zh-CN" altLang="en-US" b="1" dirty="0" smtClean="0"/>
+              <a:t>应用场景分析</a:t>
+            </a:r>
+            <a:endParaRPr lang="zh-CN" altLang="en-US" b="1" dirty="0"/>
+          </a:p>
+        </p:txBody>
+      </p:sp>
+      <p:sp>
+        <p:nvSpPr>
+          <p:cNvPr id="8" name="矩形 7"/>
+          <p:cNvSpPr/>
+          <p:nvPr/>
+        </p:nvSpPr>
+        <p:spPr>
+          <a:xfrm>
+            <a:off x="2425830" y="2923105"/>
+            <a:ext cx="2523241" cy="738664"/>
+          </a:xfrm>
+          <a:prstGeom prst="rect">
+            <a:avLst/>
+          </a:prstGeom>
+        </p:spPr>
+        <p:txBody>
+          <a:bodyPr wrap="square">
+            <a:spAutoFit/>
+          </a:bodyPr>
+          <a:lstStyle/>
+          <a:p>
+            <a:pPr marL="285750" indent="-285750">
+              <a:buFont typeface="Arial" panose="020B0604020202020204" pitchFamily="34" charset="0"/>
+              <a:buChar char="•"/>
+            </a:pPr>
+            <a:r>
+              <a:rPr lang="zh-CN" altLang="en-US" sz="1400" dirty="0"/>
+              <a:t>朋友借款一圈</a:t>
+            </a:r>
+            <a:r>
+              <a:rPr lang="zh-CN" altLang="en-US" sz="1400" dirty="0" smtClean="0"/>
+              <a:t>，人间</a:t>
+            </a:r>
+            <a:r>
+              <a:rPr lang="zh-CN" altLang="en-US" sz="1400" dirty="0"/>
+              <a:t>消失</a:t>
+            </a:r>
+            <a:r>
+              <a:rPr lang="zh-CN" altLang="en-US" sz="1400" dirty="0" smtClean="0"/>
+              <a:t>；</a:t>
+            </a:r>
+            <a:endParaRPr lang="en-US" altLang="zh-CN" sz="1400" dirty="0"/>
+          </a:p>
+          <a:p>
+            <a:pPr marL="285750" indent="-285750">
+              <a:buFont typeface="Arial" panose="020B0604020202020204" pitchFamily="34" charset="0"/>
+              <a:buChar char="•"/>
+            </a:pPr>
+            <a:r>
+              <a:rPr lang="zh-CN" altLang="en-US" sz="1400" dirty="0"/>
+              <a:t>工厂老板欠下一堆尾款，带着小姨子跑了</a:t>
+            </a:r>
+            <a:endParaRPr lang="zh-CN" altLang="en-US" sz="1400" dirty="0"/>
+          </a:p>
+        </p:txBody>
+      </p:sp>
+      <p:sp>
+        <p:nvSpPr>
+          <p:cNvPr id="9" name="矩形 8"/>
+          <p:cNvSpPr/>
+          <p:nvPr/>
+        </p:nvSpPr>
+        <p:spPr>
+          <a:xfrm>
+            <a:off x="6194981" y="1951349"/>
+            <a:ext cx="2036189" cy="886120"/>
+          </a:xfrm>
+          <a:prstGeom prst="rect">
+            <a:avLst/>
+          </a:prstGeom>
+        </p:spPr>
+        <p:style>
+          <a:lnRef idx="3">
+            <a:schemeClr val="lt1"/>
+          </a:lnRef>
+          <a:fillRef idx="1">
+            <a:schemeClr val="dk1"/>
+          </a:fillRef>
+          <a:effectRef idx="1">
+            <a:schemeClr val="dk1"/>
+          </a:effectRef>
+          <a:fontRef idx="minor">
+            <a:schemeClr val="lt1"/>
+          </a:fontRef>
+        </p:style>
+        <p:txBody>
+          <a:bodyPr rtlCol="0" anchor="ctr"/>
+          <a:lstStyle/>
+          <a:p>
+            <a:pPr algn="ctr"/>
+            <a:r>
+              <a:rPr lang="zh-CN" altLang="en-US" dirty="0" smtClean="0"/>
+              <a:t>先款后货</a:t>
+            </a:r>
+            <a:endParaRPr lang="en-US" altLang="zh-CN" dirty="0" smtClean="0"/>
+          </a:p>
+          <a:p>
+            <a:pPr algn="ctr"/>
+            <a:r>
+              <a:rPr lang="zh-CN" altLang="en-US" dirty="0" smtClean="0"/>
+              <a:t>优势不对等</a:t>
+            </a:r>
+            <a:endParaRPr lang="en-US" altLang="zh-CN" dirty="0" smtClean="0"/>
+          </a:p>
+        </p:txBody>
+      </p:sp>
+      <p:sp>
+        <p:nvSpPr>
+          <p:cNvPr id="10" name="矩形 9"/>
+          <p:cNvSpPr/>
+          <p:nvPr/>
+        </p:nvSpPr>
+        <p:spPr>
+          <a:xfrm>
+            <a:off x="6066148" y="2923105"/>
+            <a:ext cx="2523241" cy="307777"/>
+          </a:xfrm>
+          <a:prstGeom prst="rect">
+            <a:avLst/>
+          </a:prstGeom>
+        </p:spPr>
+        <p:txBody>
+          <a:bodyPr wrap="square">
+            <a:spAutoFit/>
+          </a:bodyPr>
+          <a:lstStyle/>
+          <a:p>
+            <a:pPr marL="285750" indent="-285750">
+              <a:buFont typeface="Arial" panose="020B0604020202020204" pitchFamily="34" charset="0"/>
+              <a:buChar char="•"/>
+            </a:pPr>
+            <a:r>
+              <a:rPr lang="zh-CN" altLang="en-US" sz="1400" dirty="0" smtClean="0"/>
+              <a:t>先付款还是先发货呢？</a:t>
+            </a:r>
+            <a:endParaRPr lang="zh-CN" altLang="en-US" sz="1400" dirty="0"/>
+          </a:p>
+        </p:txBody>
+      </p:sp>
+      <p:sp>
+        <p:nvSpPr>
+          <p:cNvPr id="11" name="矩形 10"/>
+          <p:cNvSpPr/>
+          <p:nvPr/>
+        </p:nvSpPr>
+        <p:spPr>
+          <a:xfrm>
+            <a:off x="2554663" y="3955855"/>
+            <a:ext cx="2036189" cy="886120"/>
+          </a:xfrm>
+          <a:prstGeom prst="rect">
+            <a:avLst/>
+          </a:prstGeom>
+        </p:spPr>
+        <p:style>
+          <a:lnRef idx="3">
+            <a:schemeClr val="lt1"/>
+          </a:lnRef>
+          <a:fillRef idx="1">
+            <a:schemeClr val="dk1"/>
+          </a:fillRef>
+          <a:effectRef idx="1">
+            <a:schemeClr val="dk1"/>
+          </a:effectRef>
+          <a:fontRef idx="minor">
+            <a:schemeClr val="lt1"/>
+          </a:fontRef>
+        </p:style>
+        <p:txBody>
+          <a:bodyPr rtlCol="0" anchor="ctr"/>
+          <a:lstStyle/>
+          <a:p>
+            <a:pPr algn="ctr"/>
+            <a:r>
+              <a:rPr lang="zh-CN" altLang="en-US" dirty="0">
+                <a:solidFill>
+                  <a:schemeClr val="lt1"/>
+                </a:solidFill>
+              </a:rPr>
+              <a:t>传统信用无流动性</a:t>
+            </a:r>
+            <a:endParaRPr lang="en-US" altLang="zh-CN" dirty="0">
+              <a:solidFill>
+                <a:schemeClr val="lt1"/>
+              </a:solidFill>
+            </a:endParaRPr>
+          </a:p>
+        </p:txBody>
+      </p:sp>
+      <p:sp>
+        <p:nvSpPr>
+          <p:cNvPr id="12" name="矩形 11"/>
+          <p:cNvSpPr/>
+          <p:nvPr/>
+        </p:nvSpPr>
+        <p:spPr>
+          <a:xfrm>
+            <a:off x="2425830" y="4927611"/>
+            <a:ext cx="2523241" cy="1384995"/>
+          </a:xfrm>
+          <a:prstGeom prst="rect">
+            <a:avLst/>
+          </a:prstGeom>
+        </p:spPr>
+        <p:txBody>
+          <a:bodyPr wrap="square">
+            <a:spAutoFit/>
+          </a:bodyPr>
+          <a:lstStyle/>
+          <a:p>
+            <a:pPr marL="285750" indent="-285750">
+              <a:buFont typeface="Arial" panose="020B0604020202020204" pitchFamily="34" charset="0"/>
+              <a:buChar char="•"/>
+            </a:pPr>
+            <a:r>
+              <a:rPr lang="zh-CN" altLang="en-US" sz="1400" dirty="0" smtClean="0"/>
+              <a:t>在淘宝做到了皇冠店，在京东，拼多多，亚马逊还要再来一遍；</a:t>
+            </a:r>
+            <a:endParaRPr lang="en-US" altLang="zh-CN" sz="1400" dirty="0"/>
+          </a:p>
+          <a:p>
+            <a:pPr marL="285750" indent="-285750">
+              <a:buFont typeface="Arial" panose="020B0604020202020204" pitchFamily="34" charset="0"/>
+              <a:buChar char="•"/>
+            </a:pPr>
+            <a:r>
+              <a:rPr lang="zh-CN" altLang="en-US" sz="1400" dirty="0" smtClean="0"/>
+              <a:t>在朋友间的好信誉，在同事，同学，生意场还要建立一遍。</a:t>
+            </a:r>
+            <a:endParaRPr lang="zh-CN" altLang="en-US" sz="1400" dirty="0"/>
+          </a:p>
+        </p:txBody>
+      </p:sp>
+      <p:sp>
+        <p:nvSpPr>
+          <p:cNvPr id="13" name="矩形 12"/>
+          <p:cNvSpPr/>
+          <p:nvPr/>
+        </p:nvSpPr>
+        <p:spPr>
+          <a:xfrm>
+            <a:off x="6194981" y="3955855"/>
+            <a:ext cx="2036189" cy="886120"/>
+          </a:xfrm>
+          <a:prstGeom prst="rect">
+            <a:avLst/>
+          </a:prstGeom>
+        </p:spPr>
+        <p:style>
+          <a:lnRef idx="3">
+            <a:schemeClr val="lt1"/>
+          </a:lnRef>
+          <a:fillRef idx="1">
+            <a:schemeClr val="dk1"/>
+          </a:fillRef>
+          <a:effectRef idx="1">
+            <a:schemeClr val="dk1"/>
+          </a:effectRef>
+          <a:fontRef idx="minor">
+            <a:schemeClr val="lt1"/>
+          </a:fontRef>
+        </p:style>
+        <p:txBody>
+          <a:bodyPr rtlCol="0" anchor="ctr"/>
+          <a:lstStyle/>
+          <a:p>
+            <a:pPr algn="ctr"/>
+            <a:r>
+              <a:rPr lang="zh-CN" altLang="en-US" dirty="0">
+                <a:solidFill>
+                  <a:schemeClr val="lt1"/>
+                </a:solidFill>
+              </a:rPr>
+              <a:t>契约环境</a:t>
+            </a:r>
+            <a:endParaRPr lang="en-US" altLang="zh-CN" dirty="0">
+              <a:solidFill>
+                <a:schemeClr val="lt1"/>
+              </a:solidFill>
+            </a:endParaRPr>
+          </a:p>
+        </p:txBody>
+      </p:sp>
+      <p:sp>
+        <p:nvSpPr>
+          <p:cNvPr id="14" name="矩形 13"/>
+          <p:cNvSpPr/>
+          <p:nvPr/>
+        </p:nvSpPr>
+        <p:spPr>
+          <a:xfrm>
+            <a:off x="6066148" y="4927611"/>
+            <a:ext cx="2523241" cy="523220"/>
+          </a:xfrm>
+          <a:prstGeom prst="rect">
+            <a:avLst/>
+          </a:prstGeom>
+        </p:spPr>
+        <p:txBody>
+          <a:bodyPr wrap="square">
+            <a:spAutoFit/>
+          </a:bodyPr>
+          <a:lstStyle/>
+          <a:p>
+            <a:pPr marL="285750" indent="-285750">
+              <a:buFont typeface="Arial" panose="020B0604020202020204" pitchFamily="34" charset="0"/>
+              <a:buChar char="•"/>
+            </a:pPr>
+            <a:r>
+              <a:rPr lang="zh-CN" altLang="en-US" sz="1400" dirty="0" smtClean="0"/>
+              <a:t>小官司不值得打；</a:t>
+            </a:r>
+            <a:endParaRPr lang="en-US" altLang="zh-CN" sz="1400" dirty="0"/>
+          </a:p>
+          <a:p>
+            <a:pPr marL="285750" indent="-285750">
+              <a:buFont typeface="Arial" panose="020B0604020202020204" pitchFamily="34" charset="0"/>
+              <a:buChar char="•"/>
+            </a:pPr>
+            <a:r>
+              <a:rPr lang="zh-CN" altLang="en-US" sz="1400" dirty="0" smtClean="0"/>
+              <a:t>大官司不敢打</a:t>
+            </a:r>
+            <a:r>
+              <a:rPr lang="en-US" altLang="zh-CN" sz="1400" dirty="0" smtClean="0"/>
+              <a:t>;</a:t>
+            </a:r>
+            <a:endParaRPr lang="zh-CN" altLang="en-US" sz="1400" dirty="0"/>
+          </a:p>
+        </p:txBody>
+      </p:sp>
+    </p:spTree>
+    <p:extLst>
+      <p:ext uri="{BB962C8B-B14F-4D97-AF65-F5344CB8AC3E}">
+        <p14:creationId xmlns:p14="http://schemas.microsoft.com/office/powerpoint/2010/main" val="992408610"/>
+      </p:ext>
+    </p:extLst>
+  </p:cSld>
+  <p:clrMapOvr>
+    <a:masterClrMapping/>
+  </p:clrMapOvr>
+</p:sld>
+</file>
+
+<file path=ppt/slides/slide12.xml><?xml version="1.0" encoding="utf-8"?>
+<p:sld xmlns:a="http://schemas.openxmlformats.org/drawingml/2006/main" xmlns:r="http://schemas.openxmlformats.org/officeDocument/2006/relationships" xmlns:p="http://schemas.openxmlformats.org/presentationml/2006/main">
+  <p:cSld>
+    <p:spTree>
+      <p:nvGrpSpPr>
+        <p:cNvPr id="1" name=""/>
+        <p:cNvGrpSpPr/>
+        <p:nvPr/>
+      </p:nvGrpSpPr>
+      <p:grpSpPr>
+        <a:xfrm>
+          <a:off x="0" y="0"/>
+          <a:ext cx="0" cy="0"/>
+          <a:chOff x="0" y="0"/>
+          <a:chExt cx="0" cy="0"/>
+        </a:xfrm>
+      </p:grpSpPr>
+      <p:sp>
+        <p:nvSpPr>
+          <p:cNvPr id="8" name="标题 1"/>
+          <p:cNvSpPr txBox="1">
+            <a:spLocks/>
+          </p:cNvSpPr>
+          <p:nvPr/>
+        </p:nvSpPr>
+        <p:spPr>
+          <a:xfrm>
+            <a:off x="7068721" y="3477243"/>
+            <a:ext cx="2970826" cy="768011"/>
+          </a:xfrm>
+          <a:prstGeom prst="rect">
+            <a:avLst/>
+          </a:prstGeom>
+        </p:spPr>
+        <p:txBody>
+          <a:bodyPr vert="horz" lIns="91440" tIns="45720" rIns="91440" bIns="45720" rtlCol="0" anchor="ctr">
+            <a:normAutofit/>
+          </a:bodyPr>
+          <a:lstStyle>
+            <a:lvl1pPr algn="l" defTabSz="914400" rtl="0" eaLnBrk="1" latinLnBrk="0" hangingPunct="1">
+              <a:lnSpc>
+                <a:spcPct val="90000"/>
+              </a:lnSpc>
+              <a:spcBef>
+                <a:spcPct val="0"/>
+              </a:spcBef>
+              <a:buNone/>
+              <a:defRPr sz="4400" kern="1200">
+                <a:solidFill>
+                  <a:schemeClr val="tx1"/>
+                </a:solidFill>
+                <a:latin typeface="+mj-lt"/>
+                <a:ea typeface="+mj-ea"/>
+                <a:cs typeface="+mj-cs"/>
+              </a:defRPr>
+            </a:lvl1pPr>
+          </a:lstStyle>
+          <a:p>
+            <a:pPr algn="ctr"/>
+            <a:r>
+              <a:rPr lang="zh-CN" altLang="en-US" dirty="0" smtClean="0"/>
+              <a:t>解决方案</a:t>
+            </a:r>
+            <a:endParaRPr lang="zh-CN" altLang="en-US" dirty="0"/>
+          </a:p>
+        </p:txBody>
+      </p:sp>
+      <p:sp>
+        <p:nvSpPr>
+          <p:cNvPr id="3" name="标题 1"/>
+          <p:cNvSpPr txBox="1">
+            <a:spLocks/>
+          </p:cNvSpPr>
+          <p:nvPr/>
+        </p:nvSpPr>
+        <p:spPr>
+          <a:xfrm>
+            <a:off x="5159604" y="1744532"/>
+            <a:ext cx="2296998" cy="2387600"/>
+          </a:xfrm>
+          <a:prstGeom prst="rect">
+            <a:avLst/>
+          </a:prstGeom>
+        </p:spPr>
+        <p:txBody>
+          <a:bodyPr vert="horz" lIns="91440" tIns="45720" rIns="91440" bIns="45720" rtlCol="0" anchor="ctr">
+            <a:normAutofit/>
+          </a:bodyPr>
+          <a:lstStyle>
+            <a:lvl1pPr algn="l" defTabSz="914400" rtl="0" eaLnBrk="1" latinLnBrk="0" hangingPunct="1">
+              <a:lnSpc>
+                <a:spcPct val="90000"/>
+              </a:lnSpc>
+              <a:spcBef>
+                <a:spcPct val="0"/>
+              </a:spcBef>
+              <a:buNone/>
+              <a:defRPr sz="4400" kern="1200">
+                <a:solidFill>
+                  <a:schemeClr val="tx1"/>
+                </a:solidFill>
+                <a:latin typeface="+mj-lt"/>
+                <a:ea typeface="+mj-ea"/>
+                <a:cs typeface="+mj-cs"/>
+              </a:defRPr>
+            </a:lvl1pPr>
+          </a:lstStyle>
+          <a:p>
+            <a:r>
+              <a:rPr lang="zh-CN" altLang="en-US" sz="8000" dirty="0" smtClean="0">
+                <a:latin typeface="华文新魏" panose="02010800040101010101" pitchFamily="2" charset="-122"/>
+                <a:ea typeface="华文新魏" panose="02010800040101010101" pitchFamily="2" charset="-122"/>
+              </a:rPr>
+              <a:t>约链</a:t>
+            </a:r>
+            <a:endParaRPr lang="zh-CN" altLang="en-US" sz="8000" dirty="0">
+              <a:latin typeface="华文新魏" panose="02010800040101010101" pitchFamily="2" charset="-122"/>
+              <a:ea typeface="华文新魏" panose="02010800040101010101" pitchFamily="2" charset="-122"/>
+            </a:endParaRPr>
+          </a:p>
+        </p:txBody>
+      </p:sp>
+      <p:pic>
+        <p:nvPicPr>
+          <p:cNvPr id="4" name="图片 3"/>
+          <p:cNvPicPr>
+            <a:picLocks noChangeAspect="1"/>
+          </p:cNvPicPr>
+          <p:nvPr/>
+        </p:nvPicPr>
+        <p:blipFill>
+          <a:blip r:embed="rId2">
+            <a:extLst>
+              <a:ext uri="{28A0092B-C50C-407E-A947-70E740481C1C}">
+                <a14:useLocalDpi xmlns:a14="http://schemas.microsoft.com/office/drawing/2010/main" val="0"/>
+              </a:ext>
+            </a:extLst>
+          </a:blip>
+          <a:stretch>
+            <a:fillRect/>
+          </a:stretch>
+        </p:blipFill>
+        <p:spPr>
+          <a:xfrm>
+            <a:off x="3860405" y="2059698"/>
+            <a:ext cx="1580219" cy="1580219"/>
+          </a:xfrm>
+          <a:prstGeom prst="rect">
+            <a:avLst/>
+          </a:prstGeom>
+        </p:spPr>
+      </p:pic>
+    </p:spTree>
+    <p:extLst>
+      <p:ext uri="{BB962C8B-B14F-4D97-AF65-F5344CB8AC3E}">
+        <p14:creationId xmlns:p14="http://schemas.microsoft.com/office/powerpoint/2010/main" val="976140793"/>
+      </p:ext>
+    </p:extLst>
+  </p:cSld>
+  <p:clrMapOvr>
+    <a:masterClrMapping/>
+  </p:clrMapOvr>
+</p:sld>
+</file>
+
+<file path=ppt/slides/slide13.xml><?xml version="1.0" encoding="utf-8"?>
+<p:sld xmlns:a="http://schemas.openxmlformats.org/drawingml/2006/main" xmlns:r="http://schemas.openxmlformats.org/officeDocument/2006/relationships" xmlns:p="http://schemas.openxmlformats.org/presentationml/2006/main">
+  <p:cSld>
+    <p:spTree>
+      <p:nvGrpSpPr>
+        <p:cNvPr id="1" name=""/>
+        <p:cNvGrpSpPr/>
+        <p:nvPr/>
+      </p:nvGrpSpPr>
+      <p:grpSpPr>
+        <a:xfrm>
+          <a:off x="0" y="0"/>
+          <a:ext cx="0" cy="0"/>
+          <a:chOff x="0" y="0"/>
+          <a:chExt cx="0" cy="0"/>
+        </a:xfrm>
+      </p:grpSpPr>
+      <p:sp>
+        <p:nvSpPr>
           <p:cNvPr id="5" name="文本框 4"/>
           <p:cNvSpPr txBox="1"/>
           <p:nvPr/>
@@ -3379,7 +4056,7 @@
 </p:sld>
 </file>
 
-<file path=ppt/slides/slide12.xml><?xml version="1.0" encoding="utf-8"?>
+<file path=ppt/slides/slide14.xml><?xml version="1.0" encoding="utf-8"?>
 <p:sld xmlns:a="http://schemas.openxmlformats.org/drawingml/2006/main" xmlns:r="http://schemas.openxmlformats.org/officeDocument/2006/relationships" xmlns:p="http://schemas.openxmlformats.org/presentationml/2006/main">
   <p:cSld>
     <p:spTree>
@@ -3479,7 +4156,7 @@
 </p:sld>
 </file>
 
-<file path=ppt/slides/slide13.xml><?xml version="1.0" encoding="utf-8"?>
+<file path=ppt/slides/slide15.xml><?xml version="1.0" encoding="utf-8"?>
 <p:sld xmlns:a="http://schemas.openxmlformats.org/drawingml/2006/main" xmlns:r="http://schemas.openxmlformats.org/officeDocument/2006/relationships" xmlns:p="http://schemas.openxmlformats.org/presentationml/2006/main">
   <p:cSld>
     <p:spTree>
@@ -3579,7 +4256,7 @@
 </p:sld>
 </file>
 
-<file path=ppt/slides/slide14.xml><?xml version="1.0" encoding="utf-8"?>
+<file path=ppt/slides/slide16.xml><?xml version="1.0" encoding="utf-8"?>
 <p:sld xmlns:a="http://schemas.openxmlformats.org/drawingml/2006/main" xmlns:r="http://schemas.openxmlformats.org/officeDocument/2006/relationships" xmlns:p="http://schemas.openxmlformats.org/presentationml/2006/main">
   <p:cSld>
     <p:spTree>

--- a/teams/23-平行时空/docs/平行时空参赛项目 契约链.pptx
+++ b/teams/23-平行时空/docs/平行时空参赛项目 契约链.pptx
@@ -9,18 +9,16 @@
     <p:sldId id="259" r:id="rId3"/>
     <p:sldId id="260" r:id="rId4"/>
     <p:sldId id="258" r:id="rId5"/>
-    <p:sldId id="262" r:id="rId6"/>
-    <p:sldId id="266" r:id="rId7"/>
-    <p:sldId id="264" r:id="rId8"/>
-    <p:sldId id="268" r:id="rId9"/>
-    <p:sldId id="267" r:id="rId10"/>
-    <p:sldId id="263" r:id="rId11"/>
-    <p:sldId id="280" r:id="rId12"/>
-    <p:sldId id="282" r:id="rId13"/>
-    <p:sldId id="275" r:id="rId14"/>
-    <p:sldId id="278" r:id="rId15"/>
-    <p:sldId id="279" r:id="rId16"/>
-    <p:sldId id="269" r:id="rId17"/>
+    <p:sldId id="264" r:id="rId6"/>
+    <p:sldId id="268" r:id="rId7"/>
+    <p:sldId id="267" r:id="rId8"/>
+    <p:sldId id="263" r:id="rId9"/>
+    <p:sldId id="280" r:id="rId10"/>
+    <p:sldId id="282" r:id="rId11"/>
+    <p:sldId id="275" r:id="rId12"/>
+    <p:sldId id="278" r:id="rId13"/>
+    <p:sldId id="279" r:id="rId14"/>
+    <p:sldId id="269" r:id="rId15"/>
   </p:sldIdLst>
   <p:sldSz cx="12192000" cy="6858000"/>
   <p:notesSz cx="6858000" cy="9144000"/>
@@ -3117,14 +3115,29 @@
         </p:nvSpPr>
         <p:spPr/>
         <p:txBody>
-          <a:bodyPr/>
-          <a:lstStyle/>
-          <a:p>
-            <a:r>
-              <a:rPr lang="zh-CN" altLang="en-US" dirty="0" smtClean="0"/>
+          <a:bodyPr>
+            <a:normAutofit/>
+          </a:bodyPr>
+          <a:lstStyle/>
+          <a:p>
+            <a:pPr>
+              <a:spcBef>
+                <a:spcPct val="0"/>
+              </a:spcBef>
+            </a:pPr>
+            <a:r>
+              <a:rPr lang="zh-CN" altLang="en-US" sz="2800" dirty="0">
+                <a:latin typeface="微软雅黑 Light" panose="020B0502040204020203" pitchFamily="34" charset="-122"/>
+                <a:ea typeface="微软雅黑 Light" panose="020B0502040204020203" pitchFamily="34" charset="-122"/>
+                <a:cs typeface="+mj-cs"/>
+              </a:rPr>
               <a:t>构建一个全人类共同参与、共同认可的信用价值体系</a:t>
             </a:r>
-            <a:endParaRPr lang="zh-CN" altLang="en-US" dirty="0"/>
+            <a:endParaRPr lang="zh-CN" altLang="en-US" sz="2800" dirty="0">
+              <a:latin typeface="微软雅黑 Light" panose="020B0502040204020203" pitchFamily="34" charset="-122"/>
+              <a:ea typeface="微软雅黑 Light" panose="020B0502040204020203" pitchFamily="34" charset="-122"/>
+              <a:cs typeface="+mj-cs"/>
+            </a:endParaRPr>
           </a:p>
         </p:txBody>
       </p:sp>
@@ -3205,8 +3218,8 @@
         </p:nvSpPr>
         <p:spPr>
           <a:xfrm>
-            <a:off x="677347" y="3364121"/>
-            <a:ext cx="10515600" cy="2679246"/>
+            <a:off x="7068721" y="3477243"/>
+            <a:ext cx="2970826" cy="768011"/>
           </a:xfrm>
           <a:prstGeom prst="rect">
             <a:avLst/>
@@ -3237,624 +3250,16 @@
           </a:lstStyle>
           <a:p>
             <a:r>
-              <a:rPr lang="zh-CN" altLang="en-US" dirty="0" smtClean="0"/>
-              <a:t>底层逻辑</a:t>
-            </a:r>
-            <a:r>
-              <a:rPr lang="zh-CN" altLang="en-US" dirty="0" smtClean="0"/>
-              <a:t>：将</a:t>
-            </a:r>
-            <a:r>
-              <a:rPr lang="zh-CN" altLang="en-US" dirty="0" smtClean="0"/>
-              <a:t>企业内部的契约通过区块链的共识和历史数据外化到整个社会。</a:t>
-            </a:r>
-            <a:endParaRPr lang="zh-CN" altLang="en-US" dirty="0"/>
-          </a:p>
-        </p:txBody>
-      </p:sp>
-      <p:sp>
-        <p:nvSpPr>
-          <p:cNvPr id="3" name="标题 1"/>
-          <p:cNvSpPr txBox="1">
-            <a:spLocks/>
-          </p:cNvSpPr>
-          <p:nvPr/>
-        </p:nvSpPr>
-        <p:spPr>
-          <a:xfrm>
-            <a:off x="5159604" y="1744532"/>
-            <a:ext cx="2296998" cy="2387600"/>
-          </a:xfrm>
-          <a:prstGeom prst="rect">
-            <a:avLst/>
-          </a:prstGeom>
-        </p:spPr>
-        <p:txBody>
-          <a:bodyPr vert="horz" lIns="91440" tIns="45720" rIns="91440" bIns="45720" rtlCol="0" anchor="ctr">
-            <a:normAutofit/>
-          </a:bodyPr>
-          <a:lstStyle>
-            <a:lvl1pPr algn="l" defTabSz="914400" rtl="0" eaLnBrk="1" latinLnBrk="0" hangingPunct="1">
-              <a:lnSpc>
-                <a:spcPct val="90000"/>
-              </a:lnSpc>
-              <a:spcBef>
-                <a:spcPct val="0"/>
-              </a:spcBef>
-              <a:buNone/>
-              <a:defRPr sz="4400" kern="1200">
-                <a:solidFill>
-                  <a:schemeClr val="tx1"/>
-                </a:solidFill>
-                <a:latin typeface="+mj-lt"/>
-                <a:ea typeface="+mj-ea"/>
-                <a:cs typeface="+mj-cs"/>
-              </a:defRPr>
-            </a:lvl1pPr>
-          </a:lstStyle>
-          <a:p>
-            <a:r>
-              <a:rPr lang="zh-CN" altLang="en-US" sz="8000" dirty="0" smtClean="0">
-                <a:latin typeface="华文新魏" panose="02010800040101010101" pitchFamily="2" charset="-122"/>
-                <a:ea typeface="华文新魏" panose="02010800040101010101" pitchFamily="2" charset="-122"/>
+              <a:rPr lang="zh-CN" altLang="en-US" sz="3200" dirty="0">
+                <a:latin typeface="微软雅黑 Light" panose="020B0502040204020203" pitchFamily="34" charset="-122"/>
+                <a:ea typeface="微软雅黑 Light" panose="020B0502040204020203" pitchFamily="34" charset="-122"/>
               </a:rPr>
-              <a:t>约链</a:t>
-            </a:r>
-            <a:endParaRPr lang="zh-CN" altLang="en-US" sz="8000" dirty="0">
-              <a:latin typeface="华文新魏" panose="02010800040101010101" pitchFamily="2" charset="-122"/>
-              <a:ea typeface="华文新魏" panose="02010800040101010101" pitchFamily="2" charset="-122"/>
+              <a:t>解决方案</a:t>
+            </a:r>
+            <a:endParaRPr lang="zh-CN" altLang="en-US" sz="3200" dirty="0">
+              <a:latin typeface="微软雅黑 Light" panose="020B0502040204020203" pitchFamily="34" charset="-122"/>
+              <a:ea typeface="微软雅黑 Light" panose="020B0502040204020203" pitchFamily="34" charset="-122"/>
             </a:endParaRPr>
-          </a:p>
-        </p:txBody>
-      </p:sp>
-      <p:pic>
-        <p:nvPicPr>
-          <p:cNvPr id="4" name="图片 3"/>
-          <p:cNvPicPr>
-            <a:picLocks noChangeAspect="1"/>
-          </p:cNvPicPr>
-          <p:nvPr/>
-        </p:nvPicPr>
-        <p:blipFill>
-          <a:blip r:embed="rId2">
-            <a:extLst>
-              <a:ext uri="{28A0092B-C50C-407E-A947-70E740481C1C}">
-                <a14:useLocalDpi xmlns:a14="http://schemas.microsoft.com/office/drawing/2010/main" val="0"/>
-              </a:ext>
-            </a:extLst>
-          </a:blip>
-          <a:stretch>
-            <a:fillRect/>
-          </a:stretch>
-        </p:blipFill>
-        <p:spPr>
-          <a:xfrm>
-            <a:off x="3860405" y="2059698"/>
-            <a:ext cx="1580219" cy="1580219"/>
-          </a:xfrm>
-          <a:prstGeom prst="rect">
-            <a:avLst/>
-          </a:prstGeom>
-        </p:spPr>
-      </p:pic>
-    </p:spTree>
-    <p:extLst>
-      <p:ext uri="{BB962C8B-B14F-4D97-AF65-F5344CB8AC3E}">
-        <p14:creationId xmlns:p14="http://schemas.microsoft.com/office/powerpoint/2010/main" val="179200099"/>
-      </p:ext>
-    </p:extLst>
-  </p:cSld>
-  <p:clrMapOvr>
-    <a:masterClrMapping/>
-  </p:clrMapOvr>
-</p:sld>
-</file>
-
-<file path=ppt/slides/slide11.xml><?xml version="1.0" encoding="utf-8"?>
-<p:sld xmlns:a="http://schemas.openxmlformats.org/drawingml/2006/main" xmlns:r="http://schemas.openxmlformats.org/officeDocument/2006/relationships" xmlns:p="http://schemas.openxmlformats.org/presentationml/2006/main">
-  <p:cSld>
-    <p:spTree>
-      <p:nvGrpSpPr>
-        <p:cNvPr id="1" name=""/>
-        <p:cNvGrpSpPr/>
-        <p:nvPr/>
-      </p:nvGrpSpPr>
-      <p:grpSpPr>
-        <a:xfrm>
-          <a:off x="0" y="0"/>
-          <a:ext cx="0" cy="0"/>
-          <a:chOff x="0" y="0"/>
-          <a:chExt cx="0" cy="0"/>
-        </a:xfrm>
-      </p:grpSpPr>
-      <p:sp>
-        <p:nvSpPr>
-          <p:cNvPr id="6" name="矩形 5"/>
-          <p:cNvSpPr/>
-          <p:nvPr/>
-        </p:nvSpPr>
-        <p:spPr>
-          <a:xfrm>
-            <a:off x="2554663" y="1951349"/>
-            <a:ext cx="2036189" cy="886120"/>
-          </a:xfrm>
-          <a:prstGeom prst="rect">
-            <a:avLst/>
-          </a:prstGeom>
-        </p:spPr>
-        <p:style>
-          <a:lnRef idx="3">
-            <a:schemeClr val="lt1"/>
-          </a:lnRef>
-          <a:fillRef idx="1">
-            <a:schemeClr val="dk1"/>
-          </a:fillRef>
-          <a:effectRef idx="1">
-            <a:schemeClr val="dk1"/>
-          </a:effectRef>
-          <a:fontRef idx="minor">
-            <a:schemeClr val="lt1"/>
-          </a:fontRef>
-        </p:style>
-        <p:txBody>
-          <a:bodyPr rtlCol="0" anchor="ctr"/>
-          <a:lstStyle/>
-          <a:p>
-            <a:pPr algn="ctr"/>
-            <a:r>
-              <a:rPr lang="zh-CN" altLang="en-US" dirty="0">
-                <a:solidFill>
-                  <a:schemeClr val="lt1"/>
-                </a:solidFill>
-              </a:rPr>
-              <a:t>信用双花</a:t>
-            </a:r>
-            <a:endParaRPr lang="en-US" altLang="zh-CN" dirty="0">
-              <a:solidFill>
-                <a:schemeClr val="lt1"/>
-              </a:solidFill>
-            </a:endParaRPr>
-          </a:p>
-        </p:txBody>
-      </p:sp>
-      <p:sp>
-        <p:nvSpPr>
-          <p:cNvPr id="7" name="文本框 6"/>
-          <p:cNvSpPr txBox="1"/>
-          <p:nvPr/>
-        </p:nvSpPr>
-        <p:spPr>
-          <a:xfrm>
-            <a:off x="4779389" y="942680"/>
-            <a:ext cx="1569660" cy="369332"/>
-          </a:xfrm>
-          <a:prstGeom prst="rect">
-            <a:avLst/>
-          </a:prstGeom>
-          <a:noFill/>
-        </p:spPr>
-        <p:txBody>
-          <a:bodyPr wrap="none" rtlCol="0">
-            <a:spAutoFit/>
-          </a:bodyPr>
-          <a:lstStyle/>
-          <a:p>
-            <a:r>
-              <a:rPr lang="zh-CN" altLang="en-US" b="1" dirty="0" smtClean="0"/>
-              <a:t>应用场景分析</a:t>
-            </a:r>
-            <a:endParaRPr lang="zh-CN" altLang="en-US" b="1" dirty="0"/>
-          </a:p>
-        </p:txBody>
-      </p:sp>
-      <p:sp>
-        <p:nvSpPr>
-          <p:cNvPr id="8" name="矩形 7"/>
-          <p:cNvSpPr/>
-          <p:nvPr/>
-        </p:nvSpPr>
-        <p:spPr>
-          <a:xfrm>
-            <a:off x="2425830" y="2923105"/>
-            <a:ext cx="2523241" cy="738664"/>
-          </a:xfrm>
-          <a:prstGeom prst="rect">
-            <a:avLst/>
-          </a:prstGeom>
-        </p:spPr>
-        <p:txBody>
-          <a:bodyPr wrap="square">
-            <a:spAutoFit/>
-          </a:bodyPr>
-          <a:lstStyle/>
-          <a:p>
-            <a:pPr marL="285750" indent="-285750">
-              <a:buFont typeface="Arial" panose="020B0604020202020204" pitchFamily="34" charset="0"/>
-              <a:buChar char="•"/>
-            </a:pPr>
-            <a:r>
-              <a:rPr lang="zh-CN" altLang="en-US" sz="1400" dirty="0"/>
-              <a:t>朋友借款一圈</a:t>
-            </a:r>
-            <a:r>
-              <a:rPr lang="zh-CN" altLang="en-US" sz="1400" dirty="0" smtClean="0"/>
-              <a:t>，人间</a:t>
-            </a:r>
-            <a:r>
-              <a:rPr lang="zh-CN" altLang="en-US" sz="1400" dirty="0"/>
-              <a:t>消失</a:t>
-            </a:r>
-            <a:r>
-              <a:rPr lang="zh-CN" altLang="en-US" sz="1400" dirty="0" smtClean="0"/>
-              <a:t>；</a:t>
-            </a:r>
-            <a:endParaRPr lang="en-US" altLang="zh-CN" sz="1400" dirty="0"/>
-          </a:p>
-          <a:p>
-            <a:pPr marL="285750" indent="-285750">
-              <a:buFont typeface="Arial" panose="020B0604020202020204" pitchFamily="34" charset="0"/>
-              <a:buChar char="•"/>
-            </a:pPr>
-            <a:r>
-              <a:rPr lang="zh-CN" altLang="en-US" sz="1400" dirty="0"/>
-              <a:t>工厂老板欠下一堆尾款，带着小姨子跑了</a:t>
-            </a:r>
-            <a:endParaRPr lang="zh-CN" altLang="en-US" sz="1400" dirty="0"/>
-          </a:p>
-        </p:txBody>
-      </p:sp>
-      <p:sp>
-        <p:nvSpPr>
-          <p:cNvPr id="9" name="矩形 8"/>
-          <p:cNvSpPr/>
-          <p:nvPr/>
-        </p:nvSpPr>
-        <p:spPr>
-          <a:xfrm>
-            <a:off x="6194981" y="1951349"/>
-            <a:ext cx="2036189" cy="886120"/>
-          </a:xfrm>
-          <a:prstGeom prst="rect">
-            <a:avLst/>
-          </a:prstGeom>
-        </p:spPr>
-        <p:style>
-          <a:lnRef idx="3">
-            <a:schemeClr val="lt1"/>
-          </a:lnRef>
-          <a:fillRef idx="1">
-            <a:schemeClr val="dk1"/>
-          </a:fillRef>
-          <a:effectRef idx="1">
-            <a:schemeClr val="dk1"/>
-          </a:effectRef>
-          <a:fontRef idx="minor">
-            <a:schemeClr val="lt1"/>
-          </a:fontRef>
-        </p:style>
-        <p:txBody>
-          <a:bodyPr rtlCol="0" anchor="ctr"/>
-          <a:lstStyle/>
-          <a:p>
-            <a:pPr algn="ctr"/>
-            <a:r>
-              <a:rPr lang="zh-CN" altLang="en-US" dirty="0" smtClean="0"/>
-              <a:t>先款后货</a:t>
-            </a:r>
-            <a:endParaRPr lang="en-US" altLang="zh-CN" dirty="0" smtClean="0"/>
-          </a:p>
-          <a:p>
-            <a:pPr algn="ctr"/>
-            <a:r>
-              <a:rPr lang="zh-CN" altLang="en-US" dirty="0" smtClean="0"/>
-              <a:t>优势不对等</a:t>
-            </a:r>
-            <a:endParaRPr lang="en-US" altLang="zh-CN" dirty="0" smtClean="0"/>
-          </a:p>
-        </p:txBody>
-      </p:sp>
-      <p:sp>
-        <p:nvSpPr>
-          <p:cNvPr id="10" name="矩形 9"/>
-          <p:cNvSpPr/>
-          <p:nvPr/>
-        </p:nvSpPr>
-        <p:spPr>
-          <a:xfrm>
-            <a:off x="6066148" y="2923105"/>
-            <a:ext cx="2523241" cy="307777"/>
-          </a:xfrm>
-          <a:prstGeom prst="rect">
-            <a:avLst/>
-          </a:prstGeom>
-        </p:spPr>
-        <p:txBody>
-          <a:bodyPr wrap="square">
-            <a:spAutoFit/>
-          </a:bodyPr>
-          <a:lstStyle/>
-          <a:p>
-            <a:pPr marL="285750" indent="-285750">
-              <a:buFont typeface="Arial" panose="020B0604020202020204" pitchFamily="34" charset="0"/>
-              <a:buChar char="•"/>
-            </a:pPr>
-            <a:r>
-              <a:rPr lang="zh-CN" altLang="en-US" sz="1400" dirty="0" smtClean="0"/>
-              <a:t>先付款还是先发货呢？</a:t>
-            </a:r>
-            <a:endParaRPr lang="zh-CN" altLang="en-US" sz="1400" dirty="0"/>
-          </a:p>
-        </p:txBody>
-      </p:sp>
-      <p:sp>
-        <p:nvSpPr>
-          <p:cNvPr id="11" name="矩形 10"/>
-          <p:cNvSpPr/>
-          <p:nvPr/>
-        </p:nvSpPr>
-        <p:spPr>
-          <a:xfrm>
-            <a:off x="2554663" y="3955855"/>
-            <a:ext cx="2036189" cy="886120"/>
-          </a:xfrm>
-          <a:prstGeom prst="rect">
-            <a:avLst/>
-          </a:prstGeom>
-        </p:spPr>
-        <p:style>
-          <a:lnRef idx="3">
-            <a:schemeClr val="lt1"/>
-          </a:lnRef>
-          <a:fillRef idx="1">
-            <a:schemeClr val="dk1"/>
-          </a:fillRef>
-          <a:effectRef idx="1">
-            <a:schemeClr val="dk1"/>
-          </a:effectRef>
-          <a:fontRef idx="minor">
-            <a:schemeClr val="lt1"/>
-          </a:fontRef>
-        </p:style>
-        <p:txBody>
-          <a:bodyPr rtlCol="0" anchor="ctr"/>
-          <a:lstStyle/>
-          <a:p>
-            <a:pPr algn="ctr"/>
-            <a:r>
-              <a:rPr lang="zh-CN" altLang="en-US" dirty="0">
-                <a:solidFill>
-                  <a:schemeClr val="lt1"/>
-                </a:solidFill>
-              </a:rPr>
-              <a:t>传统信用无流动性</a:t>
-            </a:r>
-            <a:endParaRPr lang="en-US" altLang="zh-CN" dirty="0">
-              <a:solidFill>
-                <a:schemeClr val="lt1"/>
-              </a:solidFill>
-            </a:endParaRPr>
-          </a:p>
-        </p:txBody>
-      </p:sp>
-      <p:sp>
-        <p:nvSpPr>
-          <p:cNvPr id="12" name="矩形 11"/>
-          <p:cNvSpPr/>
-          <p:nvPr/>
-        </p:nvSpPr>
-        <p:spPr>
-          <a:xfrm>
-            <a:off x="2425830" y="4927611"/>
-            <a:ext cx="2523241" cy="1384995"/>
-          </a:xfrm>
-          <a:prstGeom prst="rect">
-            <a:avLst/>
-          </a:prstGeom>
-        </p:spPr>
-        <p:txBody>
-          <a:bodyPr wrap="square">
-            <a:spAutoFit/>
-          </a:bodyPr>
-          <a:lstStyle/>
-          <a:p>
-            <a:pPr marL="285750" indent="-285750">
-              <a:buFont typeface="Arial" panose="020B0604020202020204" pitchFamily="34" charset="0"/>
-              <a:buChar char="•"/>
-            </a:pPr>
-            <a:r>
-              <a:rPr lang="zh-CN" altLang="en-US" sz="1400" dirty="0" smtClean="0"/>
-              <a:t>在淘宝做到了皇冠店，在京东，拼多多，亚马逊还要再来一遍；</a:t>
-            </a:r>
-            <a:endParaRPr lang="en-US" altLang="zh-CN" sz="1400" dirty="0"/>
-          </a:p>
-          <a:p>
-            <a:pPr marL="285750" indent="-285750">
-              <a:buFont typeface="Arial" panose="020B0604020202020204" pitchFamily="34" charset="0"/>
-              <a:buChar char="•"/>
-            </a:pPr>
-            <a:r>
-              <a:rPr lang="zh-CN" altLang="en-US" sz="1400" dirty="0" smtClean="0"/>
-              <a:t>在朋友间的好信誉，在同事，同学，生意场还要建立一遍。</a:t>
-            </a:r>
-            <a:endParaRPr lang="zh-CN" altLang="en-US" sz="1400" dirty="0"/>
-          </a:p>
-        </p:txBody>
-      </p:sp>
-      <p:sp>
-        <p:nvSpPr>
-          <p:cNvPr id="13" name="矩形 12"/>
-          <p:cNvSpPr/>
-          <p:nvPr/>
-        </p:nvSpPr>
-        <p:spPr>
-          <a:xfrm>
-            <a:off x="6194981" y="3955855"/>
-            <a:ext cx="2036189" cy="886120"/>
-          </a:xfrm>
-          <a:prstGeom prst="rect">
-            <a:avLst/>
-          </a:prstGeom>
-        </p:spPr>
-        <p:style>
-          <a:lnRef idx="3">
-            <a:schemeClr val="lt1"/>
-          </a:lnRef>
-          <a:fillRef idx="1">
-            <a:schemeClr val="dk1"/>
-          </a:fillRef>
-          <a:effectRef idx="1">
-            <a:schemeClr val="dk1"/>
-          </a:effectRef>
-          <a:fontRef idx="minor">
-            <a:schemeClr val="lt1"/>
-          </a:fontRef>
-        </p:style>
-        <p:txBody>
-          <a:bodyPr rtlCol="0" anchor="ctr"/>
-          <a:lstStyle/>
-          <a:p>
-            <a:pPr algn="ctr"/>
-            <a:r>
-              <a:rPr lang="zh-CN" altLang="en-US" dirty="0">
-                <a:solidFill>
-                  <a:schemeClr val="lt1"/>
-                </a:solidFill>
-              </a:rPr>
-              <a:t>契约环境</a:t>
-            </a:r>
-            <a:endParaRPr lang="en-US" altLang="zh-CN" dirty="0">
-              <a:solidFill>
-                <a:schemeClr val="lt1"/>
-              </a:solidFill>
-            </a:endParaRPr>
-          </a:p>
-        </p:txBody>
-      </p:sp>
-      <p:sp>
-        <p:nvSpPr>
-          <p:cNvPr id="14" name="矩形 13"/>
-          <p:cNvSpPr/>
-          <p:nvPr/>
-        </p:nvSpPr>
-        <p:spPr>
-          <a:xfrm>
-            <a:off x="6066148" y="4927611"/>
-            <a:ext cx="2523241" cy="523220"/>
-          </a:xfrm>
-          <a:prstGeom prst="rect">
-            <a:avLst/>
-          </a:prstGeom>
-        </p:spPr>
-        <p:txBody>
-          <a:bodyPr wrap="square">
-            <a:spAutoFit/>
-          </a:bodyPr>
-          <a:lstStyle/>
-          <a:p>
-            <a:pPr marL="285750" indent="-285750">
-              <a:buFont typeface="Arial" panose="020B0604020202020204" pitchFamily="34" charset="0"/>
-              <a:buChar char="•"/>
-            </a:pPr>
-            <a:r>
-              <a:rPr lang="zh-CN" altLang="en-US" sz="1400" dirty="0" smtClean="0"/>
-              <a:t>小官司不值得打；</a:t>
-            </a:r>
-            <a:endParaRPr lang="en-US" altLang="zh-CN" sz="1400" dirty="0"/>
-          </a:p>
-          <a:p>
-            <a:pPr marL="285750" indent="-285750">
-              <a:buFont typeface="Arial" panose="020B0604020202020204" pitchFamily="34" charset="0"/>
-              <a:buChar char="•"/>
-            </a:pPr>
-            <a:r>
-              <a:rPr lang="zh-CN" altLang="en-US" sz="1400" dirty="0" smtClean="0"/>
-              <a:t>大官司不敢打</a:t>
-            </a:r>
-            <a:r>
-              <a:rPr lang="en-US" altLang="zh-CN" sz="1400" dirty="0" smtClean="0"/>
-              <a:t>;</a:t>
-            </a:r>
-            <a:endParaRPr lang="zh-CN" altLang="en-US" sz="1400" dirty="0"/>
-          </a:p>
-        </p:txBody>
-      </p:sp>
-    </p:spTree>
-    <p:extLst>
-      <p:ext uri="{BB962C8B-B14F-4D97-AF65-F5344CB8AC3E}">
-        <p14:creationId xmlns:p14="http://schemas.microsoft.com/office/powerpoint/2010/main" val="992408610"/>
-      </p:ext>
-    </p:extLst>
-  </p:cSld>
-  <p:clrMapOvr>
-    <a:masterClrMapping/>
-  </p:clrMapOvr>
-</p:sld>
-</file>
-
-<file path=ppt/slides/slide12.xml><?xml version="1.0" encoding="utf-8"?>
-<p:sld xmlns:a="http://schemas.openxmlformats.org/drawingml/2006/main" xmlns:r="http://schemas.openxmlformats.org/officeDocument/2006/relationships" xmlns:p="http://schemas.openxmlformats.org/presentationml/2006/main">
-  <p:cSld>
-    <p:spTree>
-      <p:nvGrpSpPr>
-        <p:cNvPr id="1" name=""/>
-        <p:cNvGrpSpPr/>
-        <p:nvPr/>
-      </p:nvGrpSpPr>
-      <p:grpSpPr>
-        <a:xfrm>
-          <a:off x="0" y="0"/>
-          <a:ext cx="0" cy="0"/>
-          <a:chOff x="0" y="0"/>
-          <a:chExt cx="0" cy="0"/>
-        </a:xfrm>
-      </p:grpSpPr>
-      <p:sp>
-        <p:nvSpPr>
-          <p:cNvPr id="8" name="标题 1"/>
-          <p:cNvSpPr txBox="1">
-            <a:spLocks/>
-          </p:cNvSpPr>
-          <p:nvPr/>
-        </p:nvSpPr>
-        <p:spPr>
-          <a:xfrm>
-            <a:off x="7068721" y="3477243"/>
-            <a:ext cx="2970826" cy="768011"/>
-          </a:xfrm>
-          <a:prstGeom prst="rect">
-            <a:avLst/>
-          </a:prstGeom>
-        </p:spPr>
-        <p:txBody>
-          <a:bodyPr vert="horz" lIns="91440" tIns="45720" rIns="91440" bIns="45720" rtlCol="0" anchor="ctr">
-            <a:normAutofit/>
-          </a:bodyPr>
-          <a:lstStyle>
-            <a:lvl1pPr algn="l" defTabSz="914400" rtl="0" eaLnBrk="1" latinLnBrk="0" hangingPunct="1">
-              <a:lnSpc>
-                <a:spcPct val="90000"/>
-              </a:lnSpc>
-              <a:spcBef>
-                <a:spcPct val="0"/>
-              </a:spcBef>
-              <a:buNone/>
-              <a:defRPr sz="4400" kern="1200">
-                <a:solidFill>
-                  <a:schemeClr val="tx1"/>
-                </a:solidFill>
-                <a:latin typeface="+mj-lt"/>
-                <a:ea typeface="+mj-ea"/>
-                <a:cs typeface="+mj-cs"/>
-              </a:defRPr>
-            </a:lvl1pPr>
-          </a:lstStyle>
-          <a:p>
-            <a:pPr algn="ctr"/>
-            <a:r>
-              <a:rPr lang="zh-CN" altLang="en-US" dirty="0" smtClean="0"/>
-              <a:t>解决方案</a:t>
-            </a:r>
-            <a:endParaRPr lang="zh-CN" altLang="en-US" dirty="0"/>
           </a:p>
         </p:txBody>
       </p:sp>
@@ -3953,10 +3358,17 @@
   <p:clrMapOvr>
     <a:masterClrMapping/>
   </p:clrMapOvr>
+  <p:timing>
+    <p:tnLst>
+      <p:par>
+        <p:cTn id="1" dur="indefinite" restart="never" nodeType="tmRoot"/>
+      </p:par>
+    </p:tnLst>
+  </p:timing>
 </p:sld>
 </file>
 
-<file path=ppt/slides/slide13.xml><?xml version="1.0" encoding="utf-8"?>
+<file path=ppt/slides/slide11.xml><?xml version="1.0" encoding="utf-8"?>
 <p:sld xmlns:a="http://schemas.openxmlformats.org/drawingml/2006/main" xmlns:r="http://schemas.openxmlformats.org/officeDocument/2006/relationships" xmlns:p="http://schemas.openxmlformats.org/presentationml/2006/main">
   <p:cSld>
     <p:spTree>
@@ -4056,7 +3468,7 @@
 </p:sld>
 </file>
 
-<file path=ppt/slides/slide14.xml><?xml version="1.0" encoding="utf-8"?>
+<file path=ppt/slides/slide12.xml><?xml version="1.0" encoding="utf-8"?>
 <p:sld xmlns:a="http://schemas.openxmlformats.org/drawingml/2006/main" xmlns:r="http://schemas.openxmlformats.org/officeDocument/2006/relationships" xmlns:p="http://schemas.openxmlformats.org/presentationml/2006/main">
   <p:cSld>
     <p:spTree>
@@ -4156,7 +3568,7 @@
 </p:sld>
 </file>
 
-<file path=ppt/slides/slide15.xml><?xml version="1.0" encoding="utf-8"?>
+<file path=ppt/slides/slide13.xml><?xml version="1.0" encoding="utf-8"?>
 <p:sld xmlns:a="http://schemas.openxmlformats.org/drawingml/2006/main" xmlns:r="http://schemas.openxmlformats.org/officeDocument/2006/relationships" xmlns:p="http://schemas.openxmlformats.org/presentationml/2006/main">
   <p:cSld>
     <p:spTree>
@@ -4256,7 +3668,7 @@
 </p:sld>
 </file>
 
-<file path=ppt/slides/slide16.xml><?xml version="1.0" encoding="utf-8"?>
+<file path=ppt/slides/slide14.xml><?xml version="1.0" encoding="utf-8"?>
 <p:sld xmlns:a="http://schemas.openxmlformats.org/drawingml/2006/main" xmlns:r="http://schemas.openxmlformats.org/officeDocument/2006/relationships" xmlns:p="http://schemas.openxmlformats.org/presentationml/2006/main">
   <p:cSld>
     <p:spTree>
@@ -4273,66 +3685,36 @@
           <a:chExt cx="0" cy="0"/>
         </a:xfrm>
       </p:grpSpPr>
-      <p:sp>
-        <p:nvSpPr>
-          <p:cNvPr id="2" name="标题 1"/>
-          <p:cNvSpPr>
-            <a:spLocks noGrp="1"/>
-          </p:cNvSpPr>
-          <p:nvPr>
-            <p:ph type="title"/>
-          </p:nvPr>
-        </p:nvSpPr>
-        <p:spPr/>
-        <p:txBody>
-          <a:bodyPr/>
-          <a:lstStyle/>
-          <a:p>
-            <a:r>
-              <a:rPr lang="zh-CN" altLang="en-US" dirty="0" smtClean="0"/>
-              <a:t>技术路线</a:t>
-            </a:r>
-            <a:endParaRPr lang="zh-CN" altLang="en-US" dirty="0"/>
-          </a:p>
-        </p:txBody>
-      </p:sp>
-      <p:sp>
-        <p:nvSpPr>
-          <p:cNvPr id="3" name="内容占位符 2"/>
-          <p:cNvSpPr>
-            <a:spLocks noGrp="1"/>
-          </p:cNvSpPr>
-          <p:nvPr>
-            <p:ph idx="1"/>
-          </p:nvPr>
-        </p:nvSpPr>
-        <p:spPr/>
-        <p:txBody>
-          <a:bodyPr/>
-          <a:lstStyle/>
-          <a:p>
-            <a:r>
-              <a:rPr lang="zh-CN" altLang="en-US" dirty="0" smtClean="0"/>
-              <a:t>基础契约结构网络</a:t>
-            </a:r>
-            <a:endParaRPr lang="en-US" altLang="zh-CN" dirty="0" smtClean="0"/>
-          </a:p>
-          <a:p>
-            <a:r>
-              <a:rPr lang="zh-CN" altLang="en-US" dirty="0" smtClean="0"/>
-              <a:t>仲裁挖矿奖励</a:t>
-            </a:r>
-            <a:endParaRPr lang="en-US" altLang="zh-CN" dirty="0" smtClean="0"/>
-          </a:p>
-          <a:p>
-            <a:r>
-              <a:rPr lang="zh-CN" altLang="en-US" dirty="0" smtClean="0"/>
-              <a:t>契约信任系统</a:t>
-            </a:r>
-            <a:endParaRPr lang="zh-CN" altLang="en-US" dirty="0"/>
-          </a:p>
-        </p:txBody>
-      </p:sp>
+      <p:pic>
+        <p:nvPicPr>
+          <p:cNvPr id="4" name="图片 3"/>
+          <p:cNvPicPr>
+            <a:picLocks noChangeAspect="1"/>
+          </p:cNvPicPr>
+          <p:nvPr/>
+        </p:nvPicPr>
+        <p:blipFill>
+          <a:blip r:embed="rId2">
+            <a:extLst>
+              <a:ext uri="{28A0092B-C50C-407E-A947-70E740481C1C}">
+                <a14:useLocalDpi xmlns:a14="http://schemas.microsoft.com/office/drawing/2010/main" val="0"/>
+              </a:ext>
+            </a:extLst>
+          </a:blip>
+          <a:stretch>
+            <a:fillRect/>
+          </a:stretch>
+        </p:blipFill>
+        <p:spPr>
+          <a:xfrm>
+            <a:off x="3524975" y="484201"/>
+            <a:ext cx="5373929" cy="6116869"/>
+          </a:xfrm>
+          <a:prstGeom prst="rect">
+            <a:avLst/>
+          </a:prstGeom>
+        </p:spPr>
+      </p:pic>
     </p:spTree>
     <p:extLst>
       <p:ext uri="{BB962C8B-B14F-4D97-AF65-F5344CB8AC3E}">
@@ -4400,14 +3782,29 @@
         </p:nvSpPr>
         <p:spPr/>
         <p:txBody>
-          <a:bodyPr/>
-          <a:lstStyle/>
-          <a:p>
-            <a:r>
-              <a:rPr lang="zh-CN" altLang="en-US" dirty="0" smtClean="0"/>
+          <a:bodyPr>
+            <a:normAutofit/>
+          </a:bodyPr>
+          <a:lstStyle/>
+          <a:p>
+            <a:pPr>
+              <a:spcBef>
+                <a:spcPct val="0"/>
+              </a:spcBef>
+            </a:pPr>
+            <a:r>
+              <a:rPr lang="zh-CN" altLang="en-US" sz="3200" dirty="0">
+                <a:latin typeface="微软雅黑 Light" panose="020B0502040204020203" pitchFamily="34" charset="-122"/>
+                <a:ea typeface="微软雅黑 Light" panose="020B0502040204020203" pitchFamily="34" charset="-122"/>
+                <a:cs typeface="+mj-cs"/>
+              </a:rPr>
               <a:t>像沃尔玛，像苹果，亚马逊</a:t>
             </a:r>
-            <a:endParaRPr lang="zh-CN" altLang="en-US" dirty="0"/>
+            <a:endParaRPr lang="zh-CN" altLang="en-US" sz="3200" dirty="0">
+              <a:latin typeface="微软雅黑 Light" panose="020B0502040204020203" pitchFamily="34" charset="-122"/>
+              <a:ea typeface="微软雅黑 Light" panose="020B0502040204020203" pitchFamily="34" charset="-122"/>
+              <a:cs typeface="+mj-cs"/>
+            </a:endParaRPr>
           </a:p>
         </p:txBody>
       </p:sp>
@@ -4488,11 +3885,22 @@
         </p:nvSpPr>
         <p:spPr/>
         <p:txBody>
-          <a:bodyPr/>
-          <a:lstStyle/>
-          <a:p>
-            <a:r>
-              <a:rPr lang="zh-CN" altLang="en-US" dirty="0"/>
+          <a:bodyPr>
+            <a:normAutofit/>
+          </a:bodyPr>
+          <a:lstStyle/>
+          <a:p>
+            <a:pPr>
+              <a:spcBef>
+                <a:spcPct val="0"/>
+              </a:spcBef>
+            </a:pPr>
+            <a:r>
+              <a:rPr lang="zh-CN" altLang="en-US" sz="3200" dirty="0">
+                <a:latin typeface="微软雅黑 Light" panose="020B0502040204020203" pitchFamily="34" charset="-122"/>
+                <a:ea typeface="微软雅黑 Light" panose="020B0502040204020203" pitchFamily="34" charset="-122"/>
+                <a:cs typeface="+mj-cs"/>
+              </a:rPr>
               <a:t>像街边摊，像楼房漏水</a:t>
             </a:r>
           </a:p>
@@ -4588,308 +3996,6 @@
 </file>
 
 <file path=ppt/slides/slide5.xml><?xml version="1.0" encoding="utf-8"?>
-<p:sld xmlns:a="http://schemas.openxmlformats.org/drawingml/2006/main" xmlns:r="http://schemas.openxmlformats.org/officeDocument/2006/relationships" xmlns:p="http://schemas.openxmlformats.org/presentationml/2006/main">
-  <p:cSld>
-    <p:spTree>
-      <p:nvGrpSpPr>
-        <p:cNvPr id="1" name=""/>
-        <p:cNvGrpSpPr/>
-        <p:nvPr/>
-      </p:nvGrpSpPr>
-      <p:grpSpPr>
-        <a:xfrm>
-          <a:off x="0" y="0"/>
-          <a:ext cx="0" cy="0"/>
-          <a:chOff x="0" y="0"/>
-          <a:chExt cx="0" cy="0"/>
-        </a:xfrm>
-      </p:grpSpPr>
-      <p:sp>
-        <p:nvSpPr>
-          <p:cNvPr id="6" name="矩形 5"/>
-          <p:cNvSpPr/>
-          <p:nvPr/>
-        </p:nvSpPr>
-        <p:spPr>
-          <a:xfrm>
-            <a:off x="6853287" y="1150069"/>
-            <a:ext cx="4034672" cy="952107"/>
-          </a:xfrm>
-          <a:prstGeom prst="rect">
-            <a:avLst/>
-          </a:prstGeom>
-          <a:solidFill>
-            <a:srgbClr val="FFFFFF"/>
-          </a:solidFill>
-          <a:ln>
-            <a:noFill/>
-          </a:ln>
-        </p:spPr>
-        <p:style>
-          <a:lnRef idx="2">
-            <a:schemeClr val="accent1">
-              <a:shade val="50000"/>
-            </a:schemeClr>
-          </a:lnRef>
-          <a:fillRef idx="1">
-            <a:schemeClr val="accent1"/>
-          </a:fillRef>
-          <a:effectRef idx="0">
-            <a:schemeClr val="accent1"/>
-          </a:effectRef>
-          <a:fontRef idx="minor">
-            <a:schemeClr val="lt1"/>
-          </a:fontRef>
-        </p:style>
-        <p:txBody>
-          <a:bodyPr rtlCol="0" anchor="ctr"/>
-          <a:lstStyle/>
-          <a:p>
-            <a:pPr algn="ctr"/>
-            <a:endParaRPr lang="zh-CN" altLang="en-US"/>
-          </a:p>
-        </p:txBody>
-      </p:sp>
-      <p:sp>
-        <p:nvSpPr>
-          <p:cNvPr id="7" name="矩形 6"/>
-          <p:cNvSpPr/>
-          <p:nvPr/>
-        </p:nvSpPr>
-        <p:spPr>
-          <a:xfrm>
-            <a:off x="3546050" y="985098"/>
-            <a:ext cx="4034672" cy="952107"/>
-          </a:xfrm>
-          <a:prstGeom prst="rect">
-            <a:avLst/>
-          </a:prstGeom>
-          <a:solidFill>
-            <a:srgbClr val="FFFFFF"/>
-          </a:solidFill>
-          <a:ln>
-            <a:noFill/>
-          </a:ln>
-        </p:spPr>
-        <p:style>
-          <a:lnRef idx="2">
-            <a:schemeClr val="accent1">
-              <a:shade val="50000"/>
-            </a:schemeClr>
-          </a:lnRef>
-          <a:fillRef idx="1">
-            <a:schemeClr val="accent1"/>
-          </a:fillRef>
-          <a:effectRef idx="0">
-            <a:schemeClr val="accent1"/>
-          </a:effectRef>
-          <a:fontRef idx="minor">
-            <a:schemeClr val="lt1"/>
-          </a:fontRef>
-        </p:style>
-        <p:txBody>
-          <a:bodyPr rtlCol="0" anchor="ctr"/>
-          <a:lstStyle/>
-          <a:p>
-            <a:pPr algn="ctr"/>
-            <a:endParaRPr lang="zh-CN" altLang="en-US"/>
-          </a:p>
-        </p:txBody>
-      </p:sp>
-      <p:pic>
-        <p:nvPicPr>
-          <p:cNvPr id="8" name="图片 7"/>
-          <p:cNvPicPr>
-            <a:picLocks noChangeAspect="1"/>
-          </p:cNvPicPr>
-          <p:nvPr/>
-        </p:nvPicPr>
-        <p:blipFill rotWithShape="1">
-          <a:blip r:embed="rId2">
-            <a:extLst>
-              <a:ext uri="{28A0092B-C50C-407E-A947-70E740481C1C}">
-                <a14:useLocalDpi xmlns:a14="http://schemas.microsoft.com/office/drawing/2010/main" val="0"/>
-              </a:ext>
-            </a:extLst>
-          </a:blip>
-          <a:srcRect t="28360" b="18730"/>
-          <a:stretch/>
-        </p:blipFill>
-        <p:spPr>
-          <a:xfrm>
-            <a:off x="1524000" y="1944914"/>
-            <a:ext cx="9144000" cy="3628572"/>
-          </a:xfrm>
-          <a:prstGeom prst="rect">
-            <a:avLst/>
-          </a:prstGeom>
-        </p:spPr>
-      </p:pic>
-    </p:spTree>
-    <p:extLst>
-      <p:ext uri="{BB962C8B-B14F-4D97-AF65-F5344CB8AC3E}">
-        <p14:creationId xmlns:p14="http://schemas.microsoft.com/office/powerpoint/2010/main" val="3187120445"/>
-      </p:ext>
-    </p:extLst>
-  </p:cSld>
-  <p:clrMapOvr>
-    <a:masterClrMapping/>
-  </p:clrMapOvr>
-</p:sld>
-</file>
-
-<file path=ppt/slides/slide6.xml><?xml version="1.0" encoding="utf-8"?>
-<p:sld xmlns:a="http://schemas.openxmlformats.org/drawingml/2006/main" xmlns:r="http://schemas.openxmlformats.org/officeDocument/2006/relationships" xmlns:p="http://schemas.openxmlformats.org/presentationml/2006/main">
-  <p:cSld>
-    <p:spTree>
-      <p:nvGrpSpPr>
-        <p:cNvPr id="1" name=""/>
-        <p:cNvGrpSpPr/>
-        <p:nvPr/>
-      </p:nvGrpSpPr>
-      <p:grpSpPr>
-        <a:xfrm>
-          <a:off x="0" y="0"/>
-          <a:ext cx="0" cy="0"/>
-          <a:chOff x="0" y="0"/>
-          <a:chExt cx="0" cy="0"/>
-        </a:xfrm>
-      </p:grpSpPr>
-      <p:pic>
-        <p:nvPicPr>
-          <p:cNvPr id="5" name="图片 4"/>
-          <p:cNvPicPr>
-            <a:picLocks noChangeAspect="1"/>
-          </p:cNvPicPr>
-          <p:nvPr/>
-        </p:nvPicPr>
-        <p:blipFill rotWithShape="1">
-          <a:blip r:embed="rId2">
-            <a:extLst>
-              <a:ext uri="{28A0092B-C50C-407E-A947-70E740481C1C}">
-                <a14:useLocalDpi xmlns:a14="http://schemas.microsoft.com/office/drawing/2010/main" val="0"/>
-              </a:ext>
-            </a:extLst>
-          </a:blip>
-          <a:srcRect l="3213" t="61283" r="19364" b="6964"/>
-          <a:stretch/>
-        </p:blipFill>
-        <p:spPr>
-          <a:xfrm>
-            <a:off x="1310325" y="1894786"/>
-            <a:ext cx="10052318" cy="3091993"/>
-          </a:xfrm>
-          <a:prstGeom prst="rect">
-            <a:avLst/>
-          </a:prstGeom>
-        </p:spPr>
-      </p:pic>
-      <p:sp>
-        <p:nvSpPr>
-          <p:cNvPr id="6" name="矩形 5"/>
-          <p:cNvSpPr/>
-          <p:nvPr/>
-        </p:nvSpPr>
-        <p:spPr>
-          <a:xfrm>
-            <a:off x="6853287" y="1150069"/>
-            <a:ext cx="4034672" cy="952107"/>
-          </a:xfrm>
-          <a:prstGeom prst="rect">
-            <a:avLst/>
-          </a:prstGeom>
-          <a:solidFill>
-            <a:srgbClr val="FFFFFF"/>
-          </a:solidFill>
-          <a:ln>
-            <a:noFill/>
-          </a:ln>
-        </p:spPr>
-        <p:style>
-          <a:lnRef idx="2">
-            <a:schemeClr val="accent1">
-              <a:shade val="50000"/>
-            </a:schemeClr>
-          </a:lnRef>
-          <a:fillRef idx="1">
-            <a:schemeClr val="accent1"/>
-          </a:fillRef>
-          <a:effectRef idx="0">
-            <a:schemeClr val="accent1"/>
-          </a:effectRef>
-          <a:fontRef idx="minor">
-            <a:schemeClr val="lt1"/>
-          </a:fontRef>
-        </p:style>
-        <p:txBody>
-          <a:bodyPr rtlCol="0" anchor="ctr"/>
-          <a:lstStyle/>
-          <a:p>
-            <a:pPr algn="ctr"/>
-            <a:endParaRPr lang="zh-CN" altLang="en-US"/>
-          </a:p>
-        </p:txBody>
-      </p:sp>
-      <p:sp>
-        <p:nvSpPr>
-          <p:cNvPr id="7" name="矩形 6"/>
-          <p:cNvSpPr/>
-          <p:nvPr/>
-        </p:nvSpPr>
-        <p:spPr>
-          <a:xfrm>
-            <a:off x="3546050" y="985098"/>
-            <a:ext cx="4034672" cy="952107"/>
-          </a:xfrm>
-          <a:prstGeom prst="rect">
-            <a:avLst/>
-          </a:prstGeom>
-          <a:solidFill>
-            <a:srgbClr val="FFFFFF"/>
-          </a:solidFill>
-          <a:ln>
-            <a:noFill/>
-          </a:ln>
-        </p:spPr>
-        <p:style>
-          <a:lnRef idx="2">
-            <a:schemeClr val="accent1">
-              <a:shade val="50000"/>
-            </a:schemeClr>
-          </a:lnRef>
-          <a:fillRef idx="1">
-            <a:schemeClr val="accent1"/>
-          </a:fillRef>
-          <a:effectRef idx="0">
-            <a:schemeClr val="accent1"/>
-          </a:effectRef>
-          <a:fontRef idx="minor">
-            <a:schemeClr val="lt1"/>
-          </a:fontRef>
-        </p:style>
-        <p:txBody>
-          <a:bodyPr rtlCol="0" anchor="ctr"/>
-          <a:lstStyle/>
-          <a:p>
-            <a:pPr algn="ctr"/>
-            <a:endParaRPr lang="zh-CN" altLang="en-US"/>
-          </a:p>
-        </p:txBody>
-      </p:sp>
-    </p:spTree>
-    <p:extLst>
-      <p:ext uri="{BB962C8B-B14F-4D97-AF65-F5344CB8AC3E}">
-        <p14:creationId xmlns:p14="http://schemas.microsoft.com/office/powerpoint/2010/main" val="409034761"/>
-      </p:ext>
-    </p:extLst>
-  </p:cSld>
-  <p:clrMapOvr>
-    <a:masterClrMapping/>
-  </p:clrMapOvr>
-</p:sld>
-</file>
-
-<file path=ppt/slides/slide7.xml><?xml version="1.0" encoding="utf-8"?>
 <p:sld xmlns:a="http://schemas.openxmlformats.org/drawingml/2006/main" xmlns:r="http://schemas.openxmlformats.org/officeDocument/2006/relationships" xmlns:p="http://schemas.openxmlformats.org/presentationml/2006/main">
   <p:cSld>
     <p:spTree>
@@ -4953,8 +4059,8 @@
         </p:nvSpPr>
         <p:spPr>
           <a:xfrm>
-            <a:off x="1422399" y="1935388"/>
-            <a:ext cx="9777035" cy="769441"/>
+            <a:off x="2572469" y="2199339"/>
+            <a:ext cx="7160935" cy="535531"/>
           </a:xfrm>
           <a:prstGeom prst="rect">
             <a:avLst/>
@@ -4967,16 +4073,26 @@
           </a:bodyPr>
           <a:lstStyle/>
           <a:p>
-            <a:r>
-              <a:rPr lang="zh-CN" altLang="en-US" sz="4400" dirty="0" smtClean="0">
+            <a:pPr>
+              <a:lnSpc>
+                <a:spcPct val="90000"/>
+              </a:lnSpc>
+              <a:spcBef>
+                <a:spcPct val="0"/>
+              </a:spcBef>
+            </a:pPr>
+            <a:r>
+              <a:rPr lang="zh-CN" altLang="en-US" sz="3200" dirty="0">
                 <a:latin typeface="微软雅黑 Light" panose="020B0502040204020203" pitchFamily="34" charset="-122"/>
                 <a:ea typeface="微软雅黑 Light" panose="020B0502040204020203" pitchFamily="34" charset="-122"/>
+                <a:cs typeface="+mj-cs"/>
               </a:rPr>
               <a:t>企业的存在，可以降低资源配置的成本</a:t>
             </a:r>
-            <a:endParaRPr lang="zh-CN" altLang="en-US" sz="4400" dirty="0">
+            <a:endParaRPr lang="zh-CN" altLang="en-US" sz="3200" dirty="0">
               <a:latin typeface="微软雅黑 Light" panose="020B0502040204020203" pitchFamily="34" charset="-122"/>
               <a:ea typeface="微软雅黑 Light" panose="020B0502040204020203" pitchFamily="34" charset="-122"/>
+              <a:cs typeface="+mj-cs"/>
             </a:endParaRPr>
           </a:p>
         </p:txBody>
@@ -4994,7 +4110,7 @@
 </p:sld>
 </file>
 
-<file path=ppt/slides/slide8.xml><?xml version="1.0" encoding="utf-8"?>
+<file path=ppt/slides/slide6.xml><?xml version="1.0" encoding="utf-8"?>
 <p:sld xmlns:a="http://schemas.openxmlformats.org/drawingml/2006/main" xmlns:r="http://schemas.openxmlformats.org/officeDocument/2006/relationships" xmlns:p="http://schemas.openxmlformats.org/presentationml/2006/main">
   <p:cSld>
     <p:spTree>
@@ -5059,7 +4175,7 @@
         <p:spPr>
           <a:xfrm>
             <a:off x="754742" y="1514474"/>
-            <a:ext cx="11229356" cy="2677656"/>
+            <a:ext cx="9212778" cy="1421928"/>
           </a:xfrm>
           <a:prstGeom prst="rect">
             <a:avLst/>
@@ -5072,76 +4188,80 @@
           </a:bodyPr>
           <a:lstStyle/>
           <a:p>
-            <a:r>
-              <a:rPr lang="zh-CN" altLang="en-US" sz="4400" dirty="0" smtClean="0">
+            <a:pPr>
+              <a:lnSpc>
+                <a:spcPct val="90000"/>
+              </a:lnSpc>
+              <a:spcBef>
+                <a:spcPct val="0"/>
+              </a:spcBef>
+            </a:pPr>
+            <a:r>
+              <a:rPr lang="zh-CN" altLang="en-US" sz="3200" dirty="0">
                 <a:latin typeface="微软雅黑 Light" panose="020B0502040204020203" pitchFamily="34" charset="-122"/>
                 <a:ea typeface="微软雅黑 Light" panose="020B0502040204020203" pitchFamily="34" charset="-122"/>
+                <a:cs typeface="+mj-cs"/>
               </a:rPr>
-              <a:t>  企业会扩张到这样一个状态：</a:t>
-            </a:r>
-            <a:endParaRPr lang="en-US" altLang="zh-CN" sz="4400" dirty="0" smtClean="0">
+              <a:t> </a:t>
+            </a:r>
+            <a:r>
+              <a:rPr lang="zh-CN" altLang="en-US" sz="3200" dirty="0" smtClean="0">
+                <a:latin typeface="微软雅黑 Light" panose="020B0502040204020203" pitchFamily="34" charset="-122"/>
+                <a:ea typeface="微软雅黑 Light" panose="020B0502040204020203" pitchFamily="34" charset="-122"/>
+                <a:cs typeface="+mj-cs"/>
+              </a:rPr>
+              <a:t>企业</a:t>
+            </a:r>
+            <a:r>
+              <a:rPr lang="zh-CN" altLang="en-US" sz="3200" dirty="0">
+                <a:latin typeface="微软雅黑 Light" panose="020B0502040204020203" pitchFamily="34" charset="-122"/>
+                <a:ea typeface="微软雅黑 Light" panose="020B0502040204020203" pitchFamily="34" charset="-122"/>
+                <a:cs typeface="+mj-cs"/>
+              </a:rPr>
+              <a:t>会扩张到这样一个状态：</a:t>
+            </a:r>
+            <a:endParaRPr lang="en-US" altLang="zh-CN" sz="3200" dirty="0">
               <a:latin typeface="微软雅黑 Light" panose="020B0502040204020203" pitchFamily="34" charset="-122"/>
               <a:ea typeface="微软雅黑 Light" panose="020B0502040204020203" pitchFamily="34" charset="-122"/>
+              <a:cs typeface="+mj-cs"/>
             </a:endParaRPr>
           </a:p>
           <a:p>
-            <a:r>
-              <a:rPr lang="zh-CN" altLang="en-US" sz="4000" dirty="0" smtClean="0">
+            <a:pPr>
+              <a:lnSpc>
+                <a:spcPct val="90000"/>
+              </a:lnSpc>
+              <a:spcBef>
+                <a:spcPct val="0"/>
+              </a:spcBef>
+            </a:pPr>
+            <a:r>
+              <a:rPr lang="zh-CN" altLang="en-US" sz="3200" dirty="0">
                 <a:latin typeface="微软雅黑 Light" panose="020B0502040204020203" pitchFamily="34" charset="-122"/>
                 <a:ea typeface="微软雅黑 Light" panose="020B0502040204020203" pitchFamily="34" charset="-122"/>
+                <a:cs typeface="+mj-cs"/>
               </a:rPr>
-              <a:t>内部员工协作的成本</a:t>
-            </a:r>
-            <a:endParaRPr lang="en-US" altLang="zh-CN" sz="4000" dirty="0" smtClean="0">
+              <a:t>内部协作成本大于公开市场合作完成该任务的成本</a:t>
+            </a:r>
+            <a:endParaRPr lang="en-US" altLang="zh-CN" sz="3200" dirty="0">
               <a:latin typeface="微软雅黑 Light" panose="020B0502040204020203" pitchFamily="34" charset="-122"/>
               <a:ea typeface="微软雅黑 Light" panose="020B0502040204020203" pitchFamily="34" charset="-122"/>
+              <a:cs typeface="+mj-cs"/>
             </a:endParaRPr>
           </a:p>
           <a:p>
-            <a:r>
-              <a:rPr lang="en-US" altLang="zh-CN" sz="4000" dirty="0">
-                <a:latin typeface="微软雅黑 Light" panose="020B0502040204020203" pitchFamily="34" charset="-122"/>
-                <a:ea typeface="微软雅黑 Light" panose="020B0502040204020203" pitchFamily="34" charset="-122"/>
-              </a:rPr>
-              <a:t> </a:t>
-            </a:r>
-            <a:r>
-              <a:rPr lang="en-US" altLang="zh-CN" sz="4000" dirty="0" smtClean="0">
-                <a:latin typeface="微软雅黑 Light" panose="020B0502040204020203" pitchFamily="34" charset="-122"/>
-                <a:ea typeface="微软雅黑 Light" panose="020B0502040204020203" pitchFamily="34" charset="-122"/>
-              </a:rPr>
-              <a:t>                     </a:t>
-            </a:r>
-            <a:r>
-              <a:rPr lang="zh-CN" altLang="en-US" sz="4000" dirty="0" smtClean="0">
-                <a:latin typeface="微软雅黑 Light" panose="020B0502040204020203" pitchFamily="34" charset="-122"/>
-                <a:ea typeface="微软雅黑 Light" panose="020B0502040204020203" pitchFamily="34" charset="-122"/>
-              </a:rPr>
-              <a:t>大于公开市场上完成</a:t>
-            </a:r>
-            <a:r>
-              <a:rPr lang="zh-CN" altLang="en-US" sz="4000" dirty="0">
-                <a:latin typeface="微软雅黑 Light" panose="020B0502040204020203" pitchFamily="34" charset="-122"/>
-                <a:ea typeface="微软雅黑 Light" panose="020B0502040204020203" pitchFamily="34" charset="-122"/>
-              </a:rPr>
-              <a:t>该</a:t>
-            </a:r>
-            <a:r>
-              <a:rPr lang="zh-CN" altLang="en-US" sz="4000" dirty="0" smtClean="0">
-                <a:latin typeface="微软雅黑 Light" panose="020B0502040204020203" pitchFamily="34" charset="-122"/>
-                <a:ea typeface="微软雅黑 Light" panose="020B0502040204020203" pitchFamily="34" charset="-122"/>
-              </a:rPr>
-              <a:t>任务的成本</a:t>
-            </a:r>
-            <a:endParaRPr lang="en-US" altLang="zh-CN" sz="4000" dirty="0" smtClean="0">
+            <a:pPr>
+              <a:lnSpc>
+                <a:spcPct val="90000"/>
+              </a:lnSpc>
+              <a:spcBef>
+                <a:spcPct val="0"/>
+              </a:spcBef>
+            </a:pPr>
+            <a:endParaRPr lang="zh-CN" altLang="en-US" sz="3200" dirty="0">
               <a:latin typeface="微软雅黑 Light" panose="020B0502040204020203" pitchFamily="34" charset="-122"/>
               <a:ea typeface="微软雅黑 Light" panose="020B0502040204020203" pitchFamily="34" charset="-122"/>
-            </a:endParaRPr>
-          </a:p>
-          <a:p>
-            <a:endParaRPr lang="zh-CN" altLang="en-US" sz="4400" dirty="0">
-              <a:latin typeface="微软雅黑 Light" panose="020B0502040204020203" pitchFamily="34" charset="-122"/>
-              <a:ea typeface="微软雅黑 Light" panose="020B0502040204020203" pitchFamily="34" charset="-122"/>
+              <a:cs typeface="+mj-cs"/>
             </a:endParaRPr>
           </a:p>
         </p:txBody>
@@ -5156,6 +4276,361 @@
   <p:clrMapOvr>
     <a:masterClrMapping/>
   </p:clrMapOvr>
+</p:sld>
+</file>
+
+<file path=ppt/slides/slide7.xml><?xml version="1.0" encoding="utf-8"?>
+<p:sld xmlns:a="http://schemas.openxmlformats.org/drawingml/2006/main" xmlns:r="http://schemas.openxmlformats.org/officeDocument/2006/relationships" xmlns:p="http://schemas.openxmlformats.org/presentationml/2006/main">
+  <p:cSld>
+    <p:spTree>
+      <p:nvGrpSpPr>
+        <p:cNvPr id="1" name=""/>
+        <p:cNvGrpSpPr/>
+        <p:nvPr/>
+      </p:nvGrpSpPr>
+      <p:grpSpPr>
+        <a:xfrm>
+          <a:off x="0" y="0"/>
+          <a:ext cx="0" cy="0"/>
+          <a:chOff x="0" y="0"/>
+          <a:chExt cx="0" cy="0"/>
+        </a:xfrm>
+      </p:grpSpPr>
+      <p:sp>
+        <p:nvSpPr>
+          <p:cNvPr id="2" name="标题 1"/>
+          <p:cNvSpPr>
+            <a:spLocks noGrp="1"/>
+          </p:cNvSpPr>
+          <p:nvPr>
+            <p:ph type="title"/>
+          </p:nvPr>
+        </p:nvSpPr>
+        <p:spPr>
+          <a:xfrm>
+            <a:off x="772212" y="1430353"/>
+            <a:ext cx="10515600" cy="1325563"/>
+          </a:xfrm>
+        </p:spPr>
+        <p:txBody>
+          <a:bodyPr>
+            <a:normAutofit/>
+          </a:bodyPr>
+          <a:lstStyle/>
+          <a:p>
+            <a:r>
+              <a:rPr lang="zh-CN" altLang="en-US" sz="3200" dirty="0" smtClean="0">
+                <a:latin typeface="微软雅黑 Light" panose="020B0502040204020203" pitchFamily="34" charset="-122"/>
+                <a:ea typeface="微软雅黑 Light" panose="020B0502040204020203" pitchFamily="34" charset="-122"/>
+              </a:rPr>
+              <a:t>而如果公开市场中的价格非常低，企业就会变得非常小。</a:t>
+            </a:r>
+            <a:endParaRPr lang="zh-CN" altLang="en-US" sz="3200" dirty="0">
+              <a:latin typeface="微软雅黑 Light" panose="020B0502040204020203" pitchFamily="34" charset="-122"/>
+              <a:ea typeface="微软雅黑 Light" panose="020B0502040204020203" pitchFamily="34" charset="-122"/>
+            </a:endParaRPr>
+          </a:p>
+        </p:txBody>
+      </p:sp>
+      <p:sp>
+        <p:nvSpPr>
+          <p:cNvPr id="4" name="标题 1"/>
+          <p:cNvSpPr txBox="1">
+            <a:spLocks/>
+          </p:cNvSpPr>
+          <p:nvPr/>
+        </p:nvSpPr>
+        <p:spPr>
+          <a:xfrm>
+            <a:off x="772212" y="2472465"/>
+            <a:ext cx="10515600" cy="1325563"/>
+          </a:xfrm>
+          <a:prstGeom prst="rect">
+            <a:avLst/>
+          </a:prstGeom>
+        </p:spPr>
+        <p:txBody>
+          <a:bodyPr vert="horz" lIns="91440" tIns="45720" rIns="91440" bIns="45720" rtlCol="0" anchor="ctr">
+            <a:normAutofit/>
+          </a:bodyPr>
+          <a:lstStyle>
+            <a:lvl1pPr algn="l" defTabSz="914400" rtl="0" eaLnBrk="1" latinLnBrk="0" hangingPunct="1">
+              <a:lnSpc>
+                <a:spcPct val="90000"/>
+              </a:lnSpc>
+              <a:spcBef>
+                <a:spcPct val="0"/>
+              </a:spcBef>
+              <a:buNone/>
+              <a:defRPr sz="4400" kern="1200">
+                <a:solidFill>
+                  <a:schemeClr val="tx1"/>
+                </a:solidFill>
+                <a:latin typeface="+mj-lt"/>
+                <a:ea typeface="+mj-ea"/>
+                <a:cs typeface="+mj-cs"/>
+              </a:defRPr>
+            </a:lvl1pPr>
+          </a:lstStyle>
+          <a:p>
+            <a:r>
+              <a:rPr lang="zh-CN" altLang="en-US" sz="3200" dirty="0">
+                <a:latin typeface="微软雅黑 Light" panose="020B0502040204020203" pitchFamily="34" charset="-122"/>
+                <a:ea typeface="微软雅黑 Light" panose="020B0502040204020203" pitchFamily="34" charset="-122"/>
+              </a:rPr>
+              <a:t>企业内部因为有一份长期契约</a:t>
+            </a:r>
+            <a:endParaRPr lang="zh-CN" altLang="en-US" sz="3200" dirty="0">
+              <a:latin typeface="微软雅黑 Light" panose="020B0502040204020203" pitchFamily="34" charset="-122"/>
+              <a:ea typeface="微软雅黑 Light" panose="020B0502040204020203" pitchFamily="34" charset="-122"/>
+            </a:endParaRPr>
+          </a:p>
+        </p:txBody>
+      </p:sp>
+    </p:spTree>
+    <p:extLst>
+      <p:ext uri="{BB962C8B-B14F-4D97-AF65-F5344CB8AC3E}">
+        <p14:creationId xmlns:p14="http://schemas.microsoft.com/office/powerpoint/2010/main" val="1090359497"/>
+      </p:ext>
+    </p:extLst>
+  </p:cSld>
+  <p:clrMapOvr>
+    <a:masterClrMapping/>
+  </p:clrMapOvr>
+</p:sld>
+</file>
+
+<file path=ppt/slides/slide8.xml><?xml version="1.0" encoding="utf-8"?>
+<p:sld xmlns:a="http://schemas.openxmlformats.org/drawingml/2006/main" xmlns:r="http://schemas.openxmlformats.org/officeDocument/2006/relationships" xmlns:p="http://schemas.openxmlformats.org/presentationml/2006/main">
+  <p:cSld>
+    <p:spTree>
+      <p:nvGrpSpPr>
+        <p:cNvPr id="1" name=""/>
+        <p:cNvGrpSpPr/>
+        <p:nvPr/>
+      </p:nvGrpSpPr>
+      <p:grpSpPr>
+        <a:xfrm>
+          <a:off x="0" y="0"/>
+          <a:ext cx="0" cy="0"/>
+          <a:chOff x="0" y="0"/>
+          <a:chExt cx="0" cy="0"/>
+        </a:xfrm>
+      </p:grpSpPr>
+      <p:sp>
+        <p:nvSpPr>
+          <p:cNvPr id="8" name="标题 1"/>
+          <p:cNvSpPr txBox="1">
+            <a:spLocks/>
+          </p:cNvSpPr>
+          <p:nvPr/>
+        </p:nvSpPr>
+        <p:spPr>
+          <a:xfrm>
+            <a:off x="677347" y="3364121"/>
+            <a:ext cx="10515600" cy="2679246"/>
+          </a:xfrm>
+          <a:prstGeom prst="rect">
+            <a:avLst/>
+          </a:prstGeom>
+        </p:spPr>
+        <p:txBody>
+          <a:bodyPr vert="horz" lIns="91440" tIns="45720" rIns="91440" bIns="45720" rtlCol="0" anchor="ctr">
+            <a:normAutofit/>
+          </a:bodyPr>
+          <a:lstStyle>
+            <a:lvl1pPr algn="l" defTabSz="914400" rtl="0" eaLnBrk="1" latinLnBrk="0" hangingPunct="1">
+              <a:lnSpc>
+                <a:spcPct val="90000"/>
+              </a:lnSpc>
+              <a:spcBef>
+                <a:spcPct val="0"/>
+              </a:spcBef>
+              <a:buNone/>
+              <a:defRPr sz="4400" kern="1200">
+                <a:solidFill>
+                  <a:schemeClr val="tx1"/>
+                </a:solidFill>
+                <a:latin typeface="+mj-lt"/>
+                <a:ea typeface="+mj-ea"/>
+                <a:cs typeface="+mj-cs"/>
+              </a:defRPr>
+            </a:lvl1pPr>
+          </a:lstStyle>
+          <a:p>
+            <a:pPr algn="ctr"/>
+            <a:r>
+              <a:rPr lang="zh-CN" altLang="en-US" sz="3200" dirty="0" smtClean="0">
+                <a:latin typeface="微软雅黑 Light" panose="020B0502040204020203" pitchFamily="34" charset="-122"/>
+                <a:ea typeface="微软雅黑 Light" panose="020B0502040204020203" pitchFamily="34" charset="-122"/>
+              </a:rPr>
+              <a:t>将内部契约通过</a:t>
+            </a:r>
+            <a:r>
+              <a:rPr lang="zh-CN" altLang="en-US" sz="3200" dirty="0">
+                <a:latin typeface="微软雅黑 Light" panose="020B0502040204020203" pitchFamily="34" charset="-122"/>
+                <a:ea typeface="微软雅黑 Light" panose="020B0502040204020203" pitchFamily="34" charset="-122"/>
+              </a:rPr>
+              <a:t>区块链</a:t>
+            </a:r>
+            <a:r>
+              <a:rPr lang="zh-CN" altLang="en-US" sz="3200" dirty="0" smtClean="0">
+                <a:latin typeface="微软雅黑 Light" panose="020B0502040204020203" pitchFamily="34" charset="-122"/>
+                <a:ea typeface="微软雅黑 Light" panose="020B0502040204020203" pitchFamily="34" charset="-122"/>
+              </a:rPr>
+              <a:t>的</a:t>
+            </a:r>
+            <a:r>
+              <a:rPr lang="zh-CN" altLang="en-US" sz="3200" dirty="0">
+                <a:latin typeface="微软雅黑 Light" panose="020B0502040204020203" pitchFamily="34" charset="-122"/>
+                <a:ea typeface="微软雅黑 Light" panose="020B0502040204020203" pitchFamily="34" charset="-122"/>
+              </a:rPr>
+              <a:t>数据</a:t>
+            </a:r>
+            <a:r>
+              <a:rPr lang="zh-CN" altLang="en-US" sz="3200" dirty="0" smtClean="0">
+                <a:latin typeface="微软雅黑 Light" panose="020B0502040204020203" pitchFamily="34" charset="-122"/>
+                <a:ea typeface="微软雅黑 Light" panose="020B0502040204020203" pitchFamily="34" charset="-122"/>
+              </a:rPr>
+              <a:t>共识</a:t>
+            </a:r>
+            <a:endParaRPr lang="en-US" altLang="zh-CN" sz="3200" dirty="0" smtClean="0">
+              <a:latin typeface="微软雅黑 Light" panose="020B0502040204020203" pitchFamily="34" charset="-122"/>
+              <a:ea typeface="微软雅黑 Light" panose="020B0502040204020203" pitchFamily="34" charset="-122"/>
+            </a:endParaRPr>
+          </a:p>
+          <a:p>
+            <a:pPr algn="ctr"/>
+            <a:r>
+              <a:rPr lang="zh-CN" altLang="en-US" sz="3200" dirty="0" smtClean="0">
+                <a:latin typeface="微软雅黑 Light" panose="020B0502040204020203" pitchFamily="34" charset="-122"/>
+                <a:ea typeface="微软雅黑 Light" panose="020B0502040204020203" pitchFamily="34" charset="-122"/>
+              </a:rPr>
+              <a:t>外</a:t>
+            </a:r>
+            <a:r>
+              <a:rPr lang="zh-CN" altLang="en-US" sz="3200" dirty="0">
+                <a:latin typeface="微软雅黑 Light" panose="020B0502040204020203" pitchFamily="34" charset="-122"/>
+                <a:ea typeface="微软雅黑 Light" panose="020B0502040204020203" pitchFamily="34" charset="-122"/>
+              </a:rPr>
+              <a:t>化到整个</a:t>
+            </a:r>
+            <a:r>
+              <a:rPr lang="zh-CN" altLang="en-US" sz="3200" dirty="0" smtClean="0">
+                <a:latin typeface="微软雅黑 Light" panose="020B0502040204020203" pitchFamily="34" charset="-122"/>
+                <a:ea typeface="微软雅黑 Light" panose="020B0502040204020203" pitchFamily="34" charset="-122"/>
+              </a:rPr>
+              <a:t>社会合作中。</a:t>
+            </a:r>
+            <a:endParaRPr lang="zh-CN" altLang="en-US" sz="3200" dirty="0">
+              <a:latin typeface="微软雅黑 Light" panose="020B0502040204020203" pitchFamily="34" charset="-122"/>
+              <a:ea typeface="微软雅黑 Light" panose="020B0502040204020203" pitchFamily="34" charset="-122"/>
+            </a:endParaRPr>
+          </a:p>
+        </p:txBody>
+      </p:sp>
+      <p:sp>
+        <p:nvSpPr>
+          <p:cNvPr id="3" name="标题 1"/>
+          <p:cNvSpPr txBox="1">
+            <a:spLocks/>
+          </p:cNvSpPr>
+          <p:nvPr/>
+        </p:nvSpPr>
+        <p:spPr>
+          <a:xfrm>
+            <a:off x="5159604" y="1744532"/>
+            <a:ext cx="2296998" cy="2387600"/>
+          </a:xfrm>
+          <a:prstGeom prst="rect">
+            <a:avLst/>
+          </a:prstGeom>
+        </p:spPr>
+        <p:txBody>
+          <a:bodyPr vert="horz" lIns="91440" tIns="45720" rIns="91440" bIns="45720" rtlCol="0" anchor="ctr">
+            <a:normAutofit/>
+          </a:bodyPr>
+          <a:lstStyle>
+            <a:lvl1pPr algn="l" defTabSz="914400" rtl="0" eaLnBrk="1" latinLnBrk="0" hangingPunct="1">
+              <a:lnSpc>
+                <a:spcPct val="90000"/>
+              </a:lnSpc>
+              <a:spcBef>
+                <a:spcPct val="0"/>
+              </a:spcBef>
+              <a:buNone/>
+              <a:defRPr sz="4400" kern="1200">
+                <a:solidFill>
+                  <a:schemeClr val="tx1"/>
+                </a:solidFill>
+                <a:latin typeface="+mj-lt"/>
+                <a:ea typeface="+mj-ea"/>
+                <a:cs typeface="+mj-cs"/>
+              </a:defRPr>
+            </a:lvl1pPr>
+          </a:lstStyle>
+          <a:p>
+            <a:r>
+              <a:rPr lang="zh-CN" altLang="en-US" sz="8000" dirty="0" smtClean="0">
+                <a:latin typeface="华文新魏" panose="02010800040101010101" pitchFamily="2" charset="-122"/>
+                <a:ea typeface="华文新魏" panose="02010800040101010101" pitchFamily="2" charset="-122"/>
+              </a:rPr>
+              <a:t>约链</a:t>
+            </a:r>
+            <a:endParaRPr lang="zh-CN" altLang="en-US" sz="8000" dirty="0">
+              <a:latin typeface="华文新魏" panose="02010800040101010101" pitchFamily="2" charset="-122"/>
+              <a:ea typeface="华文新魏" panose="02010800040101010101" pitchFamily="2" charset="-122"/>
+            </a:endParaRPr>
+          </a:p>
+        </p:txBody>
+      </p:sp>
+      <p:pic>
+        <p:nvPicPr>
+          <p:cNvPr id="4" name="图片 3"/>
+          <p:cNvPicPr>
+            <a:picLocks noChangeAspect="1"/>
+          </p:cNvPicPr>
+          <p:nvPr/>
+        </p:nvPicPr>
+        <p:blipFill>
+          <a:blip r:embed="rId2">
+            <a:extLst>
+              <a:ext uri="{28A0092B-C50C-407E-A947-70E740481C1C}">
+                <a14:useLocalDpi xmlns:a14="http://schemas.microsoft.com/office/drawing/2010/main" val="0"/>
+              </a:ext>
+            </a:extLst>
+          </a:blip>
+          <a:stretch>
+            <a:fillRect/>
+          </a:stretch>
+        </p:blipFill>
+        <p:spPr>
+          <a:xfrm>
+            <a:off x="3860405" y="2059698"/>
+            <a:ext cx="1580219" cy="1580219"/>
+          </a:xfrm>
+          <a:prstGeom prst="rect">
+            <a:avLst/>
+          </a:prstGeom>
+        </p:spPr>
+      </p:pic>
+    </p:spTree>
+    <p:extLst>
+      <p:ext uri="{BB962C8B-B14F-4D97-AF65-F5344CB8AC3E}">
+        <p14:creationId xmlns:p14="http://schemas.microsoft.com/office/powerpoint/2010/main" val="179200099"/>
+      </p:ext>
+    </p:extLst>
+  </p:cSld>
+  <p:clrMapOvr>
+    <a:masterClrMapping/>
+  </p:clrMapOvr>
+  <p:timing>
+    <p:tnLst>
+      <p:par>
+        <p:cTn id="1" dur="indefinite" restart="never" nodeType="tmRoot"/>
+      </p:par>
+    </p:tnLst>
+  </p:timing>
 </p:sld>
 </file>
 
@@ -5178,91 +4653,506 @@
       </p:grpSpPr>
       <p:sp>
         <p:nvSpPr>
-          <p:cNvPr id="2" name="标题 1"/>
-          <p:cNvSpPr>
-            <a:spLocks noGrp="1"/>
-          </p:cNvSpPr>
-          <p:nvPr>
-            <p:ph type="title"/>
-          </p:nvPr>
+          <p:cNvPr id="6" name="矩形 5"/>
+          <p:cNvSpPr/>
+          <p:nvPr/>
         </p:nvSpPr>
         <p:spPr>
           <a:xfrm>
-            <a:off x="772212" y="1430353"/>
-            <a:ext cx="10515600" cy="1325563"/>
-          </a:xfrm>
-        </p:spPr>
-        <p:txBody>
-          <a:bodyPr/>
-          <a:lstStyle/>
-          <a:p>
-            <a:r>
-              <a:rPr lang="zh-CN" altLang="en-US" dirty="0" smtClean="0"/>
-              <a:t>而如果公开市场中的价格非常低，企业就会变得非常小。</a:t>
-            </a:r>
-            <a:endParaRPr lang="zh-CN" altLang="en-US" dirty="0"/>
-          </a:p>
-        </p:txBody>
-      </p:sp>
-      <p:sp>
-        <p:nvSpPr>
-          <p:cNvPr id="4" name="标题 1"/>
-          <p:cNvSpPr txBox="1">
-            <a:spLocks/>
-          </p:cNvSpPr>
-          <p:nvPr/>
-        </p:nvSpPr>
-        <p:spPr>
-          <a:xfrm>
-            <a:off x="838200" y="3217182"/>
-            <a:ext cx="10515600" cy="1325563"/>
+            <a:off x="3355943" y="1555419"/>
+            <a:ext cx="2036189" cy="886120"/>
           </a:xfrm>
           <a:prstGeom prst="rect">
             <a:avLst/>
           </a:prstGeom>
         </p:spPr>
-        <p:txBody>
-          <a:bodyPr vert="horz" lIns="91440" tIns="45720" rIns="91440" bIns="45720" rtlCol="0" anchor="ctr">
-            <a:normAutofit/>
+        <p:style>
+          <a:lnRef idx="3">
+            <a:schemeClr val="lt1"/>
+          </a:lnRef>
+          <a:fillRef idx="1">
+            <a:schemeClr val="dk1"/>
+          </a:fillRef>
+          <a:effectRef idx="1">
+            <a:schemeClr val="dk1"/>
+          </a:effectRef>
+          <a:fontRef idx="minor">
+            <a:schemeClr val="lt1"/>
+          </a:fontRef>
+        </p:style>
+        <p:txBody>
+          <a:bodyPr rtlCol="0" anchor="ctr"/>
+          <a:lstStyle/>
+          <a:p>
+            <a:pPr algn="ctr"/>
+            <a:r>
+              <a:rPr lang="zh-CN" altLang="en-US" dirty="0">
+                <a:solidFill>
+                  <a:schemeClr val="lt1"/>
+                </a:solidFill>
+                <a:latin typeface="微软雅黑 Light" panose="020B0502040204020203" pitchFamily="34" charset="-122"/>
+                <a:ea typeface="微软雅黑 Light" panose="020B0502040204020203" pitchFamily="34" charset="-122"/>
+              </a:rPr>
+              <a:t>信用双花</a:t>
+            </a:r>
+            <a:endParaRPr lang="en-US" altLang="zh-CN" dirty="0">
+              <a:solidFill>
+                <a:schemeClr val="lt1"/>
+              </a:solidFill>
+              <a:latin typeface="微软雅黑 Light" panose="020B0502040204020203" pitchFamily="34" charset="-122"/>
+              <a:ea typeface="微软雅黑 Light" panose="020B0502040204020203" pitchFamily="34" charset="-122"/>
+            </a:endParaRPr>
+          </a:p>
+        </p:txBody>
+      </p:sp>
+      <p:sp>
+        <p:nvSpPr>
+          <p:cNvPr id="7" name="文本框 6"/>
+          <p:cNvSpPr txBox="1"/>
+          <p:nvPr/>
+        </p:nvSpPr>
+        <p:spPr>
+          <a:xfrm>
+            <a:off x="5297768" y="737832"/>
+            <a:ext cx="1569660" cy="369332"/>
+          </a:xfrm>
+          <a:prstGeom prst="rect">
+            <a:avLst/>
+          </a:prstGeom>
+          <a:noFill/>
+        </p:spPr>
+        <p:txBody>
+          <a:bodyPr wrap="none" rtlCol="0">
+            <a:spAutoFit/>
           </a:bodyPr>
-          <a:lstStyle>
-            <a:lvl1pPr algn="l" defTabSz="914400" rtl="0" eaLnBrk="1" latinLnBrk="0" hangingPunct="1">
-              <a:lnSpc>
-                <a:spcPct val="90000"/>
-              </a:lnSpc>
-              <a:spcBef>
-                <a:spcPct val="0"/>
-              </a:spcBef>
-              <a:buNone/>
-              <a:defRPr sz="4400" kern="1200">
+          <a:lstStyle/>
+          <a:p>
+            <a:r>
+              <a:rPr lang="zh-CN" altLang="en-US" b="1" dirty="0" smtClean="0"/>
+              <a:t>应用场景分析</a:t>
+            </a:r>
+            <a:endParaRPr lang="zh-CN" altLang="en-US" b="1" dirty="0"/>
+          </a:p>
+        </p:txBody>
+      </p:sp>
+      <p:sp>
+        <p:nvSpPr>
+          <p:cNvPr id="8" name="矩形 7"/>
+          <p:cNvSpPr/>
+          <p:nvPr/>
+        </p:nvSpPr>
+        <p:spPr>
+          <a:xfrm>
+            <a:off x="3227110" y="2527175"/>
+            <a:ext cx="2523241" cy="738664"/>
+          </a:xfrm>
+          <a:prstGeom prst="rect">
+            <a:avLst/>
+          </a:prstGeom>
+        </p:spPr>
+        <p:txBody>
+          <a:bodyPr wrap="square">
+            <a:spAutoFit/>
+          </a:bodyPr>
+          <a:lstStyle/>
+          <a:p>
+            <a:pPr marL="285750" indent="-285750">
+              <a:buFont typeface="Arial" panose="020B0604020202020204" pitchFamily="34" charset="0"/>
+              <a:buChar char="•"/>
+            </a:pPr>
+            <a:r>
+              <a:rPr lang="zh-CN" altLang="en-US" sz="1400" dirty="0">
+                <a:latin typeface="微软雅黑 Light" panose="020B0502040204020203" pitchFamily="34" charset="-122"/>
+                <a:ea typeface="微软雅黑 Light" panose="020B0502040204020203" pitchFamily="34" charset="-122"/>
+              </a:rPr>
+              <a:t>朋友借款一圈</a:t>
+            </a:r>
+            <a:r>
+              <a:rPr lang="zh-CN" altLang="en-US" sz="1400" dirty="0" smtClean="0">
+                <a:latin typeface="微软雅黑 Light" panose="020B0502040204020203" pitchFamily="34" charset="-122"/>
+                <a:ea typeface="微软雅黑 Light" panose="020B0502040204020203" pitchFamily="34" charset="-122"/>
+              </a:rPr>
+              <a:t>，人间</a:t>
+            </a:r>
+            <a:r>
+              <a:rPr lang="zh-CN" altLang="en-US" sz="1400" dirty="0">
+                <a:latin typeface="微软雅黑 Light" panose="020B0502040204020203" pitchFamily="34" charset="-122"/>
+                <a:ea typeface="微软雅黑 Light" panose="020B0502040204020203" pitchFamily="34" charset="-122"/>
+              </a:rPr>
+              <a:t>消失</a:t>
+            </a:r>
+            <a:r>
+              <a:rPr lang="zh-CN" altLang="en-US" sz="1400" dirty="0" smtClean="0">
+                <a:latin typeface="微软雅黑 Light" panose="020B0502040204020203" pitchFamily="34" charset="-122"/>
+                <a:ea typeface="微软雅黑 Light" panose="020B0502040204020203" pitchFamily="34" charset="-122"/>
+              </a:rPr>
+              <a:t>；</a:t>
+            </a:r>
+            <a:endParaRPr lang="en-US" altLang="zh-CN" sz="1400" dirty="0">
+              <a:latin typeface="微软雅黑 Light" panose="020B0502040204020203" pitchFamily="34" charset="-122"/>
+              <a:ea typeface="微软雅黑 Light" panose="020B0502040204020203" pitchFamily="34" charset="-122"/>
+            </a:endParaRPr>
+          </a:p>
+          <a:p>
+            <a:pPr marL="285750" indent="-285750">
+              <a:buFont typeface="Arial" panose="020B0604020202020204" pitchFamily="34" charset="0"/>
+              <a:buChar char="•"/>
+            </a:pPr>
+            <a:r>
+              <a:rPr lang="zh-CN" altLang="en-US" sz="1400" dirty="0">
+                <a:latin typeface="微软雅黑 Light" panose="020B0502040204020203" pitchFamily="34" charset="-122"/>
+                <a:ea typeface="微软雅黑 Light" panose="020B0502040204020203" pitchFamily="34" charset="-122"/>
+              </a:rPr>
+              <a:t>工厂老板欠下一堆尾款，带着小姨子跑了</a:t>
+            </a:r>
+          </a:p>
+        </p:txBody>
+      </p:sp>
+      <p:sp>
+        <p:nvSpPr>
+          <p:cNvPr id="9" name="矩形 8"/>
+          <p:cNvSpPr/>
+          <p:nvPr/>
+        </p:nvSpPr>
+        <p:spPr>
+          <a:xfrm>
+            <a:off x="6996261" y="1555419"/>
+            <a:ext cx="2036189" cy="886120"/>
+          </a:xfrm>
+          <a:prstGeom prst="rect">
+            <a:avLst/>
+          </a:prstGeom>
+        </p:spPr>
+        <p:style>
+          <a:lnRef idx="3">
+            <a:schemeClr val="lt1"/>
+          </a:lnRef>
+          <a:fillRef idx="1">
+            <a:schemeClr val="dk1"/>
+          </a:fillRef>
+          <a:effectRef idx="1">
+            <a:schemeClr val="dk1"/>
+          </a:effectRef>
+          <a:fontRef idx="minor">
+            <a:schemeClr val="lt1"/>
+          </a:fontRef>
+        </p:style>
+        <p:txBody>
+          <a:bodyPr rtlCol="0" anchor="ctr"/>
+          <a:lstStyle/>
+          <a:p>
+            <a:pPr algn="ctr"/>
+            <a:r>
+              <a:rPr lang="zh-CN" altLang="en-US" dirty="0" smtClean="0">
+                <a:latin typeface="微软雅黑 Light" panose="020B0502040204020203" pitchFamily="34" charset="-122"/>
+                <a:ea typeface="微软雅黑 Light" panose="020B0502040204020203" pitchFamily="34" charset="-122"/>
+              </a:rPr>
+              <a:t>先款后货</a:t>
+            </a:r>
+            <a:endParaRPr lang="en-US" altLang="zh-CN" dirty="0" smtClean="0">
+              <a:latin typeface="微软雅黑 Light" panose="020B0502040204020203" pitchFamily="34" charset="-122"/>
+              <a:ea typeface="微软雅黑 Light" panose="020B0502040204020203" pitchFamily="34" charset="-122"/>
+            </a:endParaRPr>
+          </a:p>
+          <a:p>
+            <a:pPr algn="ctr"/>
+            <a:r>
+              <a:rPr lang="zh-CN" altLang="en-US" dirty="0" smtClean="0">
+                <a:latin typeface="微软雅黑 Light" panose="020B0502040204020203" pitchFamily="34" charset="-122"/>
+                <a:ea typeface="微软雅黑 Light" panose="020B0502040204020203" pitchFamily="34" charset="-122"/>
+              </a:rPr>
+              <a:t>优势不对等</a:t>
+            </a:r>
+            <a:endParaRPr lang="en-US" altLang="zh-CN" dirty="0" smtClean="0">
+              <a:latin typeface="微软雅黑 Light" panose="020B0502040204020203" pitchFamily="34" charset="-122"/>
+              <a:ea typeface="微软雅黑 Light" panose="020B0502040204020203" pitchFamily="34" charset="-122"/>
+            </a:endParaRPr>
+          </a:p>
+        </p:txBody>
+      </p:sp>
+      <p:sp>
+        <p:nvSpPr>
+          <p:cNvPr id="10" name="矩形 9"/>
+          <p:cNvSpPr/>
+          <p:nvPr/>
+        </p:nvSpPr>
+        <p:spPr>
+          <a:xfrm>
+            <a:off x="6867428" y="2527175"/>
+            <a:ext cx="2523241" cy="307777"/>
+          </a:xfrm>
+          <a:prstGeom prst="rect">
+            <a:avLst/>
+          </a:prstGeom>
+        </p:spPr>
+        <p:txBody>
+          <a:bodyPr wrap="square">
+            <a:spAutoFit/>
+          </a:bodyPr>
+          <a:lstStyle/>
+          <a:p>
+            <a:pPr marL="285750" indent="-285750">
+              <a:buFont typeface="Arial" panose="020B0604020202020204" pitchFamily="34" charset="0"/>
+              <a:buChar char="•"/>
+            </a:pPr>
+            <a:r>
+              <a:rPr lang="zh-CN" altLang="en-US" sz="1400" dirty="0" smtClean="0">
+                <a:latin typeface="微软雅黑 Light" panose="020B0502040204020203" pitchFamily="34" charset="-122"/>
+                <a:ea typeface="微软雅黑 Light" panose="020B0502040204020203" pitchFamily="34" charset="-122"/>
+              </a:rPr>
+              <a:t>先付款还是先发货呢？</a:t>
+            </a:r>
+            <a:endParaRPr lang="zh-CN" altLang="en-US" sz="1400" dirty="0">
+              <a:latin typeface="微软雅黑 Light" panose="020B0502040204020203" pitchFamily="34" charset="-122"/>
+              <a:ea typeface="微软雅黑 Light" panose="020B0502040204020203" pitchFamily="34" charset="-122"/>
+            </a:endParaRPr>
+          </a:p>
+        </p:txBody>
+      </p:sp>
+      <p:sp>
+        <p:nvSpPr>
+          <p:cNvPr id="11" name="矩形 10"/>
+          <p:cNvSpPr/>
+          <p:nvPr/>
+        </p:nvSpPr>
+        <p:spPr>
+          <a:xfrm>
+            <a:off x="3355943" y="3559925"/>
+            <a:ext cx="2036189" cy="886120"/>
+          </a:xfrm>
+          <a:prstGeom prst="rect">
+            <a:avLst/>
+          </a:prstGeom>
+        </p:spPr>
+        <p:style>
+          <a:lnRef idx="3">
+            <a:schemeClr val="lt1"/>
+          </a:lnRef>
+          <a:fillRef idx="1">
+            <a:schemeClr val="dk1"/>
+          </a:fillRef>
+          <a:effectRef idx="1">
+            <a:schemeClr val="dk1"/>
+          </a:effectRef>
+          <a:fontRef idx="minor">
+            <a:schemeClr val="lt1"/>
+          </a:fontRef>
+        </p:style>
+        <p:txBody>
+          <a:bodyPr rtlCol="0" anchor="ctr"/>
+          <a:lstStyle/>
+          <a:p>
+            <a:pPr algn="ctr"/>
+            <a:r>
+              <a:rPr lang="zh-CN" altLang="en-US" dirty="0">
                 <a:solidFill>
-                  <a:schemeClr val="tx1"/>
+                  <a:schemeClr val="lt1"/>
                 </a:solidFill>
-                <a:latin typeface="+mj-lt"/>
-                <a:ea typeface="+mj-ea"/>
-                <a:cs typeface="+mj-cs"/>
-              </a:defRPr>
-            </a:lvl1pPr>
-          </a:lstStyle>
-          <a:p>
-            <a:r>
-              <a:rPr lang="zh-CN" altLang="en-US" dirty="0" smtClean="0"/>
-              <a:t>企业内部因为有一份长期契约</a:t>
-            </a:r>
-            <a:endParaRPr lang="zh-CN" altLang="en-US" dirty="0"/>
+                <a:latin typeface="微软雅黑 Light" panose="020B0502040204020203" pitchFamily="34" charset="-122"/>
+                <a:ea typeface="微软雅黑 Light" panose="020B0502040204020203" pitchFamily="34" charset="-122"/>
+              </a:rPr>
+              <a:t>传统信用无流动性</a:t>
+            </a:r>
+            <a:endParaRPr lang="en-US" altLang="zh-CN" dirty="0">
+              <a:solidFill>
+                <a:schemeClr val="lt1"/>
+              </a:solidFill>
+              <a:latin typeface="微软雅黑 Light" panose="020B0502040204020203" pitchFamily="34" charset="-122"/>
+              <a:ea typeface="微软雅黑 Light" panose="020B0502040204020203" pitchFamily="34" charset="-122"/>
+            </a:endParaRPr>
+          </a:p>
+        </p:txBody>
+      </p:sp>
+      <p:sp>
+        <p:nvSpPr>
+          <p:cNvPr id="12" name="矩形 11"/>
+          <p:cNvSpPr/>
+          <p:nvPr/>
+        </p:nvSpPr>
+        <p:spPr>
+          <a:xfrm>
+            <a:off x="3227110" y="4531681"/>
+            <a:ext cx="2523241" cy="1384995"/>
+          </a:xfrm>
+          <a:prstGeom prst="rect">
+            <a:avLst/>
+          </a:prstGeom>
+        </p:spPr>
+        <p:txBody>
+          <a:bodyPr wrap="square">
+            <a:spAutoFit/>
+          </a:bodyPr>
+          <a:lstStyle/>
+          <a:p>
+            <a:pPr marL="285750" indent="-285750">
+              <a:buFont typeface="Arial" panose="020B0604020202020204" pitchFamily="34" charset="0"/>
+              <a:buChar char="•"/>
+            </a:pPr>
+            <a:r>
+              <a:rPr lang="zh-CN" altLang="en-US" sz="1400" dirty="0" smtClean="0">
+                <a:latin typeface="微软雅黑 Light" panose="020B0502040204020203" pitchFamily="34" charset="-122"/>
+                <a:ea typeface="微软雅黑 Light" panose="020B0502040204020203" pitchFamily="34" charset="-122"/>
+              </a:rPr>
+              <a:t>在淘宝做到了皇冠店，在京东，拼多多，亚马逊还要再来一遍；</a:t>
+            </a:r>
+            <a:endParaRPr lang="en-US" altLang="zh-CN" sz="1400" dirty="0">
+              <a:latin typeface="微软雅黑 Light" panose="020B0502040204020203" pitchFamily="34" charset="-122"/>
+              <a:ea typeface="微软雅黑 Light" panose="020B0502040204020203" pitchFamily="34" charset="-122"/>
+            </a:endParaRPr>
+          </a:p>
+          <a:p>
+            <a:pPr marL="285750" indent="-285750">
+              <a:buFont typeface="Arial" panose="020B0604020202020204" pitchFamily="34" charset="0"/>
+              <a:buChar char="•"/>
+            </a:pPr>
+            <a:r>
+              <a:rPr lang="zh-CN" altLang="en-US" sz="1400" dirty="0" smtClean="0">
+                <a:latin typeface="微软雅黑 Light" panose="020B0502040204020203" pitchFamily="34" charset="-122"/>
+                <a:ea typeface="微软雅黑 Light" panose="020B0502040204020203" pitchFamily="34" charset="-122"/>
+              </a:rPr>
+              <a:t>在朋友间的好信誉，在同事，同学，生意场还要建立一遍。</a:t>
+            </a:r>
+            <a:endParaRPr lang="zh-CN" altLang="en-US" sz="1400" dirty="0">
+              <a:latin typeface="微软雅黑 Light" panose="020B0502040204020203" pitchFamily="34" charset="-122"/>
+              <a:ea typeface="微软雅黑 Light" panose="020B0502040204020203" pitchFamily="34" charset="-122"/>
+            </a:endParaRPr>
+          </a:p>
+        </p:txBody>
+      </p:sp>
+      <p:sp>
+        <p:nvSpPr>
+          <p:cNvPr id="13" name="矩形 12"/>
+          <p:cNvSpPr/>
+          <p:nvPr/>
+        </p:nvSpPr>
+        <p:spPr>
+          <a:xfrm>
+            <a:off x="6996261" y="3559925"/>
+            <a:ext cx="2036189" cy="886120"/>
+          </a:xfrm>
+          <a:prstGeom prst="rect">
+            <a:avLst/>
+          </a:prstGeom>
+        </p:spPr>
+        <p:style>
+          <a:lnRef idx="3">
+            <a:schemeClr val="lt1"/>
+          </a:lnRef>
+          <a:fillRef idx="1">
+            <a:schemeClr val="dk1"/>
+          </a:fillRef>
+          <a:effectRef idx="1">
+            <a:schemeClr val="dk1"/>
+          </a:effectRef>
+          <a:fontRef idx="minor">
+            <a:schemeClr val="lt1"/>
+          </a:fontRef>
+        </p:style>
+        <p:txBody>
+          <a:bodyPr rtlCol="0" anchor="ctr"/>
+          <a:lstStyle/>
+          <a:p>
+            <a:pPr algn="ctr"/>
+            <a:r>
+              <a:rPr lang="zh-CN" altLang="en-US" dirty="0">
+                <a:solidFill>
+                  <a:schemeClr val="lt1"/>
+                </a:solidFill>
+                <a:latin typeface="微软雅黑 Light" panose="020B0502040204020203" pitchFamily="34" charset="-122"/>
+                <a:ea typeface="微软雅黑 Light" panose="020B0502040204020203" pitchFamily="34" charset="-122"/>
+              </a:rPr>
+              <a:t>契约环境</a:t>
+            </a:r>
+            <a:endParaRPr lang="en-US" altLang="zh-CN" dirty="0">
+              <a:solidFill>
+                <a:schemeClr val="lt1"/>
+              </a:solidFill>
+              <a:latin typeface="微软雅黑 Light" panose="020B0502040204020203" pitchFamily="34" charset="-122"/>
+              <a:ea typeface="微软雅黑 Light" panose="020B0502040204020203" pitchFamily="34" charset="-122"/>
+            </a:endParaRPr>
+          </a:p>
+        </p:txBody>
+      </p:sp>
+      <p:sp>
+        <p:nvSpPr>
+          <p:cNvPr id="14" name="矩形 13"/>
+          <p:cNvSpPr/>
+          <p:nvPr/>
+        </p:nvSpPr>
+        <p:spPr>
+          <a:xfrm>
+            <a:off x="6867428" y="4531681"/>
+            <a:ext cx="2523241" cy="523220"/>
+          </a:xfrm>
+          <a:prstGeom prst="rect">
+            <a:avLst/>
+          </a:prstGeom>
+        </p:spPr>
+        <p:txBody>
+          <a:bodyPr wrap="square">
+            <a:spAutoFit/>
+          </a:bodyPr>
+          <a:lstStyle/>
+          <a:p>
+            <a:pPr marL="285750" indent="-285750">
+              <a:buFont typeface="Arial" panose="020B0604020202020204" pitchFamily="34" charset="0"/>
+              <a:buChar char="•"/>
+            </a:pPr>
+            <a:r>
+              <a:rPr lang="zh-CN" altLang="en-US" sz="1400" dirty="0" smtClean="0">
+                <a:latin typeface="微软雅黑 Light" panose="020B0502040204020203" pitchFamily="34" charset="-122"/>
+                <a:ea typeface="微软雅黑 Light" panose="020B0502040204020203" pitchFamily="34" charset="-122"/>
+              </a:rPr>
+              <a:t>小官司不值得打；</a:t>
+            </a:r>
+            <a:endParaRPr lang="en-US" altLang="zh-CN" sz="1400" dirty="0">
+              <a:latin typeface="微软雅黑 Light" panose="020B0502040204020203" pitchFamily="34" charset="-122"/>
+              <a:ea typeface="微软雅黑 Light" panose="020B0502040204020203" pitchFamily="34" charset="-122"/>
+            </a:endParaRPr>
+          </a:p>
+          <a:p>
+            <a:pPr marL="285750" indent="-285750">
+              <a:buFont typeface="Arial" panose="020B0604020202020204" pitchFamily="34" charset="0"/>
+              <a:buChar char="•"/>
+            </a:pPr>
+            <a:r>
+              <a:rPr lang="zh-CN" altLang="en-US" sz="1400" dirty="0" smtClean="0">
+                <a:latin typeface="微软雅黑 Light" panose="020B0502040204020203" pitchFamily="34" charset="-122"/>
+                <a:ea typeface="微软雅黑 Light" panose="020B0502040204020203" pitchFamily="34" charset="-122"/>
+              </a:rPr>
+              <a:t>大官司不敢打</a:t>
+            </a:r>
+            <a:r>
+              <a:rPr lang="en-US" altLang="zh-CN" sz="1400" dirty="0" smtClean="0">
+                <a:latin typeface="微软雅黑 Light" panose="020B0502040204020203" pitchFamily="34" charset="-122"/>
+                <a:ea typeface="微软雅黑 Light" panose="020B0502040204020203" pitchFamily="34" charset="-122"/>
+              </a:rPr>
+              <a:t>;</a:t>
+            </a:r>
+            <a:endParaRPr lang="zh-CN" altLang="en-US" sz="1400" dirty="0">
+              <a:latin typeface="微软雅黑 Light" panose="020B0502040204020203" pitchFamily="34" charset="-122"/>
+              <a:ea typeface="微软雅黑 Light" panose="020B0502040204020203" pitchFamily="34" charset="-122"/>
+            </a:endParaRPr>
           </a:p>
         </p:txBody>
       </p:sp>
     </p:spTree>
     <p:extLst>
       <p:ext uri="{BB962C8B-B14F-4D97-AF65-F5344CB8AC3E}">
-        <p14:creationId xmlns:p14="http://schemas.microsoft.com/office/powerpoint/2010/main" val="1090359497"/>
+        <p14:creationId xmlns:p14="http://schemas.microsoft.com/office/powerpoint/2010/main" val="992408610"/>
       </p:ext>
     </p:extLst>
   </p:cSld>
   <p:clrMapOvr>
     <a:masterClrMapping/>
   </p:clrMapOvr>
+  <p:timing>
+    <p:tnLst>
+      <p:par>
+        <p:cTn id="1" dur="indefinite" restart="never" nodeType="tmRoot"/>
+      </p:par>
+    </p:tnLst>
+  </p:timing>
 </p:sld>
 </file>
 

--- a/teams/23-平行时空/docs/平行时空参赛项目 契约链.pptx
+++ b/teams/23-平行时空/docs/平行时空参赛项目 契约链.pptx
@@ -256,7 +256,7 @@
           <a:p>
             <a:fld id="{A7FE5AC5-A415-4D1C-804A-89412E0362BF}" type="datetimeFigureOut">
               <a:rPr lang="zh-CN" altLang="en-US" smtClean="0"/>
-              <a:t>2021/7/5</a:t>
+              <a:t>2021/7/6</a:t>
             </a:fld>
             <a:endParaRPr lang="zh-CN" altLang="en-US"/>
           </a:p>
@@ -426,7 +426,7 @@
           <a:p>
             <a:fld id="{A7FE5AC5-A415-4D1C-804A-89412E0362BF}" type="datetimeFigureOut">
               <a:rPr lang="zh-CN" altLang="en-US" smtClean="0"/>
-              <a:t>2021/7/5</a:t>
+              <a:t>2021/7/6</a:t>
             </a:fld>
             <a:endParaRPr lang="zh-CN" altLang="en-US"/>
           </a:p>
@@ -606,7 +606,7 @@
           <a:p>
             <a:fld id="{A7FE5AC5-A415-4D1C-804A-89412E0362BF}" type="datetimeFigureOut">
               <a:rPr lang="zh-CN" altLang="en-US" smtClean="0"/>
-              <a:t>2021/7/5</a:t>
+              <a:t>2021/7/6</a:t>
             </a:fld>
             <a:endParaRPr lang="zh-CN" altLang="en-US"/>
           </a:p>
@@ -776,7 +776,7 @@
           <a:p>
             <a:fld id="{A7FE5AC5-A415-4D1C-804A-89412E0362BF}" type="datetimeFigureOut">
               <a:rPr lang="zh-CN" altLang="en-US" smtClean="0"/>
-              <a:t>2021/7/5</a:t>
+              <a:t>2021/7/6</a:t>
             </a:fld>
             <a:endParaRPr lang="zh-CN" altLang="en-US"/>
           </a:p>
@@ -1022,7 +1022,7 @@
           <a:p>
             <a:fld id="{A7FE5AC5-A415-4D1C-804A-89412E0362BF}" type="datetimeFigureOut">
               <a:rPr lang="zh-CN" altLang="en-US" smtClean="0"/>
-              <a:t>2021/7/5</a:t>
+              <a:t>2021/7/6</a:t>
             </a:fld>
             <a:endParaRPr lang="zh-CN" altLang="en-US"/>
           </a:p>
@@ -1254,7 +1254,7 @@
           <a:p>
             <a:fld id="{A7FE5AC5-A415-4D1C-804A-89412E0362BF}" type="datetimeFigureOut">
               <a:rPr lang="zh-CN" altLang="en-US" smtClean="0"/>
-              <a:t>2021/7/5</a:t>
+              <a:t>2021/7/6</a:t>
             </a:fld>
             <a:endParaRPr lang="zh-CN" altLang="en-US"/>
           </a:p>
@@ -1621,7 +1621,7 @@
           <a:p>
             <a:fld id="{A7FE5AC5-A415-4D1C-804A-89412E0362BF}" type="datetimeFigureOut">
               <a:rPr lang="zh-CN" altLang="en-US" smtClean="0"/>
-              <a:t>2021/7/5</a:t>
+              <a:t>2021/7/6</a:t>
             </a:fld>
             <a:endParaRPr lang="zh-CN" altLang="en-US"/>
           </a:p>
@@ -1739,7 +1739,7 @@
           <a:p>
             <a:fld id="{A7FE5AC5-A415-4D1C-804A-89412E0362BF}" type="datetimeFigureOut">
               <a:rPr lang="zh-CN" altLang="en-US" smtClean="0"/>
-              <a:t>2021/7/5</a:t>
+              <a:t>2021/7/6</a:t>
             </a:fld>
             <a:endParaRPr lang="zh-CN" altLang="en-US"/>
           </a:p>
@@ -1834,7 +1834,7 @@
           <a:p>
             <a:fld id="{A7FE5AC5-A415-4D1C-804A-89412E0362BF}" type="datetimeFigureOut">
               <a:rPr lang="zh-CN" altLang="en-US" smtClean="0"/>
-              <a:t>2021/7/5</a:t>
+              <a:t>2021/7/6</a:t>
             </a:fld>
             <a:endParaRPr lang="zh-CN" altLang="en-US"/>
           </a:p>
@@ -2111,7 +2111,7 @@
           <a:p>
             <a:fld id="{A7FE5AC5-A415-4D1C-804A-89412E0362BF}" type="datetimeFigureOut">
               <a:rPr lang="zh-CN" altLang="en-US" smtClean="0"/>
-              <a:t>2021/7/5</a:t>
+              <a:t>2021/7/6</a:t>
             </a:fld>
             <a:endParaRPr lang="zh-CN" altLang="en-US"/>
           </a:p>
@@ -2364,7 +2364,7 @@
           <a:p>
             <a:fld id="{A7FE5AC5-A415-4D1C-804A-89412E0362BF}" type="datetimeFigureOut">
               <a:rPr lang="zh-CN" altLang="en-US" smtClean="0"/>
-              <a:t>2021/7/5</a:t>
+              <a:t>2021/7/6</a:t>
             </a:fld>
             <a:endParaRPr lang="zh-CN" altLang="en-US"/>
           </a:p>
@@ -2577,7 +2577,7 @@
           <a:p>
             <a:fld id="{A7FE5AC5-A415-4D1C-804A-89412E0362BF}" type="datetimeFigureOut">
               <a:rPr lang="zh-CN" altLang="en-US" smtClean="0"/>
-              <a:t>2021/7/5</a:t>
+              <a:t>2021/7/6</a:t>
             </a:fld>
             <a:endParaRPr lang="zh-CN" altLang="en-US"/>
           </a:p>
@@ -3133,11 +3133,6 @@
               </a:rPr>
               <a:t>构建一个全人类共同参与、共同认可的信用价值体系</a:t>
             </a:r>
-            <a:endParaRPr lang="zh-CN" altLang="en-US" sz="2800" dirty="0">
-              <a:latin typeface="微软雅黑 Light" panose="020B0502040204020203" pitchFamily="34" charset="-122"/>
-              <a:ea typeface="微软雅黑 Light" panose="020B0502040204020203" pitchFamily="34" charset="-122"/>
-              <a:cs typeface="+mj-cs"/>
-            </a:endParaRPr>
           </a:p>
         </p:txBody>
       </p:sp>
@@ -3256,10 +3251,6 @@
               </a:rPr>
               <a:t>解决方案</a:t>
             </a:r>
-            <a:endParaRPr lang="zh-CN" altLang="en-US" sz="3200" dirty="0">
-              <a:latin typeface="微软雅黑 Light" panose="020B0502040204020203" pitchFamily="34" charset="-122"/>
-              <a:ea typeface="微软雅黑 Light" panose="020B0502040204020203" pitchFamily="34" charset="-122"/>
-            </a:endParaRPr>
           </a:p>
         </p:txBody>
       </p:sp>
@@ -3800,11 +3791,6 @@
               </a:rPr>
               <a:t>像沃尔玛，像苹果，亚马逊</a:t>
             </a:r>
-            <a:endParaRPr lang="zh-CN" altLang="en-US" sz="3200" dirty="0">
-              <a:latin typeface="微软雅黑 Light" panose="020B0502040204020203" pitchFamily="34" charset="-122"/>
-              <a:ea typeface="微软雅黑 Light" panose="020B0502040204020203" pitchFamily="34" charset="-122"/>
-              <a:cs typeface="+mj-cs"/>
-            </a:endParaRPr>
           </a:p>
         </p:txBody>
       </p:sp>
@@ -4089,11 +4075,6 @@
               </a:rPr>
               <a:t>企业的存在，可以降低资源配置的成本</a:t>
             </a:r>
-            <a:endParaRPr lang="zh-CN" altLang="en-US" sz="3200" dirty="0">
-              <a:latin typeface="微软雅黑 Light" panose="020B0502040204020203" pitchFamily="34" charset="-122"/>
-              <a:ea typeface="微软雅黑 Light" panose="020B0502040204020203" pitchFamily="34" charset="-122"/>
-              <a:cs typeface="+mj-cs"/>
-            </a:endParaRPr>
           </a:p>
         </p:txBody>
       </p:sp>
@@ -4380,10 +4361,6 @@
               </a:rPr>
               <a:t>企业内部因为有一份长期契约</a:t>
             </a:r>
-            <a:endParaRPr lang="zh-CN" altLang="en-US" sz="3200" dirty="0">
-              <a:latin typeface="微软雅黑 Light" panose="020B0502040204020203" pitchFamily="34" charset="-122"/>
-              <a:ea typeface="微软雅黑 Light" panose="020B0502040204020203" pitchFamily="34" charset="-122"/>
-            </a:endParaRPr>
           </a:p>
         </p:txBody>
       </p:sp>
@@ -4651,491 +4628,506 @@
           <a:chExt cx="0" cy="0"/>
         </a:xfrm>
       </p:grpSpPr>
-      <p:sp>
-        <p:nvSpPr>
-          <p:cNvPr id="6" name="矩形 5"/>
-          <p:cNvSpPr/>
+      <p:grpSp>
+        <p:nvGrpSpPr>
+          <p:cNvPr id="2" name="组合 1"/>
+          <p:cNvGrpSpPr/>
           <p:nvPr/>
-        </p:nvSpPr>
-        <p:spPr>
+        </p:nvGrpSpPr>
+        <p:grpSpPr>
           <a:xfrm>
-            <a:off x="3355943" y="1555419"/>
-            <a:ext cx="2036189" cy="886120"/>
+            <a:off x="3227110" y="737832"/>
+            <a:ext cx="6163559" cy="5178844"/>
+            <a:chOff x="3227110" y="737832"/>
+            <a:chExt cx="6163559" cy="5178844"/>
           </a:xfrm>
-          <a:prstGeom prst="rect">
-            <a:avLst/>
-          </a:prstGeom>
-        </p:spPr>
-        <p:style>
-          <a:lnRef idx="3">
-            <a:schemeClr val="lt1"/>
-          </a:lnRef>
-          <a:fillRef idx="1">
-            <a:schemeClr val="dk1"/>
-          </a:fillRef>
-          <a:effectRef idx="1">
-            <a:schemeClr val="dk1"/>
-          </a:effectRef>
-          <a:fontRef idx="minor">
-            <a:schemeClr val="lt1"/>
-          </a:fontRef>
-        </p:style>
-        <p:txBody>
-          <a:bodyPr rtlCol="0" anchor="ctr"/>
-          <a:lstStyle/>
-          <a:p>
-            <a:pPr algn="ctr"/>
-            <a:r>
-              <a:rPr lang="zh-CN" altLang="en-US" dirty="0">
+        </p:grpSpPr>
+        <p:sp>
+          <p:nvSpPr>
+            <p:cNvPr id="6" name="矩形 5"/>
+            <p:cNvSpPr/>
+            <p:nvPr/>
+          </p:nvSpPr>
+          <p:spPr>
+            <a:xfrm>
+              <a:off x="3355943" y="1555419"/>
+              <a:ext cx="2036189" cy="886120"/>
+            </a:xfrm>
+            <a:prstGeom prst="rect">
+              <a:avLst/>
+            </a:prstGeom>
+          </p:spPr>
+          <p:style>
+            <a:lnRef idx="3">
+              <a:schemeClr val="lt1"/>
+            </a:lnRef>
+            <a:fillRef idx="1">
+              <a:schemeClr val="dk1"/>
+            </a:fillRef>
+            <a:effectRef idx="1">
+              <a:schemeClr val="dk1"/>
+            </a:effectRef>
+            <a:fontRef idx="minor">
+              <a:schemeClr val="lt1"/>
+            </a:fontRef>
+          </p:style>
+          <p:txBody>
+            <a:bodyPr rtlCol="0" anchor="ctr"/>
+            <a:lstStyle/>
+            <a:p>
+              <a:pPr algn="ctr"/>
+              <a:r>
+                <a:rPr lang="zh-CN" altLang="en-US" dirty="0">
+                  <a:solidFill>
+                    <a:schemeClr val="lt1"/>
+                  </a:solidFill>
+                  <a:latin typeface="微软雅黑 Light" panose="020B0502040204020203" pitchFamily="34" charset="-122"/>
+                  <a:ea typeface="微软雅黑 Light" panose="020B0502040204020203" pitchFamily="34" charset="-122"/>
+                </a:rPr>
+                <a:t>信用双花</a:t>
+              </a:r>
+              <a:endParaRPr lang="en-US" altLang="zh-CN" dirty="0">
                 <a:solidFill>
                   <a:schemeClr val="lt1"/>
                 </a:solidFill>
                 <a:latin typeface="微软雅黑 Light" panose="020B0502040204020203" pitchFamily="34" charset="-122"/>
                 <a:ea typeface="微软雅黑 Light" panose="020B0502040204020203" pitchFamily="34" charset="-122"/>
-              </a:rPr>
-              <a:t>信用双花</a:t>
-            </a:r>
-            <a:endParaRPr lang="en-US" altLang="zh-CN" dirty="0">
-              <a:solidFill>
-                <a:schemeClr val="lt1"/>
-              </a:solidFill>
-              <a:latin typeface="微软雅黑 Light" panose="020B0502040204020203" pitchFamily="34" charset="-122"/>
-              <a:ea typeface="微软雅黑 Light" panose="020B0502040204020203" pitchFamily="34" charset="-122"/>
-            </a:endParaRPr>
-          </a:p>
-        </p:txBody>
-      </p:sp>
-      <p:sp>
-        <p:nvSpPr>
-          <p:cNvPr id="7" name="文本框 6"/>
-          <p:cNvSpPr txBox="1"/>
-          <p:nvPr/>
-        </p:nvSpPr>
-        <p:spPr>
-          <a:xfrm>
-            <a:off x="5297768" y="737832"/>
-            <a:ext cx="1569660" cy="369332"/>
-          </a:xfrm>
-          <a:prstGeom prst="rect">
-            <a:avLst/>
-          </a:prstGeom>
-          <a:noFill/>
-        </p:spPr>
-        <p:txBody>
-          <a:bodyPr wrap="none" rtlCol="0">
-            <a:spAutoFit/>
-          </a:bodyPr>
-          <a:lstStyle/>
-          <a:p>
-            <a:r>
-              <a:rPr lang="zh-CN" altLang="en-US" b="1" dirty="0" smtClean="0"/>
-              <a:t>应用场景分析</a:t>
-            </a:r>
-            <a:endParaRPr lang="zh-CN" altLang="en-US" b="1" dirty="0"/>
-          </a:p>
-        </p:txBody>
-      </p:sp>
-      <p:sp>
-        <p:nvSpPr>
-          <p:cNvPr id="8" name="矩形 7"/>
-          <p:cNvSpPr/>
-          <p:nvPr/>
-        </p:nvSpPr>
-        <p:spPr>
-          <a:xfrm>
-            <a:off x="3227110" y="2527175"/>
-            <a:ext cx="2523241" cy="738664"/>
-          </a:xfrm>
-          <a:prstGeom prst="rect">
-            <a:avLst/>
-          </a:prstGeom>
-        </p:spPr>
-        <p:txBody>
-          <a:bodyPr wrap="square">
-            <a:spAutoFit/>
-          </a:bodyPr>
-          <a:lstStyle/>
-          <a:p>
-            <a:pPr marL="285750" indent="-285750">
-              <a:buFont typeface="Arial" panose="020B0604020202020204" pitchFamily="34" charset="0"/>
-              <a:buChar char="•"/>
-            </a:pPr>
-            <a:r>
-              <a:rPr lang="zh-CN" altLang="en-US" sz="1400" dirty="0">
+              </a:endParaRPr>
+            </a:p>
+          </p:txBody>
+        </p:sp>
+        <p:sp>
+          <p:nvSpPr>
+            <p:cNvPr id="7" name="文本框 6"/>
+            <p:cNvSpPr txBox="1"/>
+            <p:nvPr/>
+          </p:nvSpPr>
+          <p:spPr>
+            <a:xfrm>
+              <a:off x="5297768" y="737832"/>
+              <a:ext cx="1569660" cy="369332"/>
+            </a:xfrm>
+            <a:prstGeom prst="rect">
+              <a:avLst/>
+            </a:prstGeom>
+            <a:noFill/>
+          </p:spPr>
+          <p:txBody>
+            <a:bodyPr wrap="none" rtlCol="0">
+              <a:spAutoFit/>
+            </a:bodyPr>
+            <a:lstStyle/>
+            <a:p>
+              <a:r>
+                <a:rPr lang="zh-CN" altLang="en-US" b="1" dirty="0" smtClean="0"/>
+                <a:t>应用场景分析</a:t>
+              </a:r>
+              <a:endParaRPr lang="zh-CN" altLang="en-US" b="1" dirty="0"/>
+            </a:p>
+          </p:txBody>
+        </p:sp>
+        <p:sp>
+          <p:nvSpPr>
+            <p:cNvPr id="8" name="矩形 7"/>
+            <p:cNvSpPr/>
+            <p:nvPr/>
+          </p:nvSpPr>
+          <p:spPr>
+            <a:xfrm>
+              <a:off x="3227110" y="2527175"/>
+              <a:ext cx="2523241" cy="738664"/>
+            </a:xfrm>
+            <a:prstGeom prst="rect">
+              <a:avLst/>
+            </a:prstGeom>
+          </p:spPr>
+          <p:txBody>
+            <a:bodyPr wrap="square">
+              <a:spAutoFit/>
+            </a:bodyPr>
+            <a:lstStyle/>
+            <a:p>
+              <a:pPr marL="285750" indent="-285750">
+                <a:buFont typeface="Arial" panose="020B0604020202020204" pitchFamily="34" charset="0"/>
+                <a:buChar char="•"/>
+              </a:pPr>
+              <a:r>
+                <a:rPr lang="zh-CN" altLang="en-US" sz="1400" dirty="0">
+                  <a:latin typeface="微软雅黑 Light" panose="020B0502040204020203" pitchFamily="34" charset="-122"/>
+                  <a:ea typeface="微软雅黑 Light" panose="020B0502040204020203" pitchFamily="34" charset="-122"/>
+                </a:rPr>
+                <a:t>朋友借款一圈</a:t>
+              </a:r>
+              <a:r>
+                <a:rPr lang="zh-CN" altLang="en-US" sz="1400" dirty="0" smtClean="0">
+                  <a:latin typeface="微软雅黑 Light" panose="020B0502040204020203" pitchFamily="34" charset="-122"/>
+                  <a:ea typeface="微软雅黑 Light" panose="020B0502040204020203" pitchFamily="34" charset="-122"/>
+                </a:rPr>
+                <a:t>，人间</a:t>
+              </a:r>
+              <a:r>
+                <a:rPr lang="zh-CN" altLang="en-US" sz="1400" dirty="0">
+                  <a:latin typeface="微软雅黑 Light" panose="020B0502040204020203" pitchFamily="34" charset="-122"/>
+                  <a:ea typeface="微软雅黑 Light" panose="020B0502040204020203" pitchFamily="34" charset="-122"/>
+                </a:rPr>
+                <a:t>消失</a:t>
+              </a:r>
+              <a:r>
+                <a:rPr lang="zh-CN" altLang="en-US" sz="1400" dirty="0" smtClean="0">
+                  <a:latin typeface="微软雅黑 Light" panose="020B0502040204020203" pitchFamily="34" charset="-122"/>
+                  <a:ea typeface="微软雅黑 Light" panose="020B0502040204020203" pitchFamily="34" charset="-122"/>
+                </a:rPr>
+                <a:t>；</a:t>
+              </a:r>
+              <a:endParaRPr lang="en-US" altLang="zh-CN" sz="1400" dirty="0">
                 <a:latin typeface="微软雅黑 Light" panose="020B0502040204020203" pitchFamily="34" charset="-122"/>
                 <a:ea typeface="微软雅黑 Light" panose="020B0502040204020203" pitchFamily="34" charset="-122"/>
-              </a:rPr>
-              <a:t>朋友借款一圈</a:t>
-            </a:r>
-            <a:r>
-              <a:rPr lang="zh-CN" altLang="en-US" sz="1400" dirty="0" smtClean="0">
+              </a:endParaRPr>
+            </a:p>
+            <a:p>
+              <a:pPr marL="285750" indent="-285750">
+                <a:buFont typeface="Arial" panose="020B0604020202020204" pitchFamily="34" charset="0"/>
+                <a:buChar char="•"/>
+              </a:pPr>
+              <a:r>
+                <a:rPr lang="zh-CN" altLang="en-US" sz="1400" dirty="0">
+                  <a:latin typeface="微软雅黑 Light" panose="020B0502040204020203" pitchFamily="34" charset="-122"/>
+                  <a:ea typeface="微软雅黑 Light" panose="020B0502040204020203" pitchFamily="34" charset="-122"/>
+                </a:rPr>
+                <a:t>工厂老板欠下一堆尾款，带着小姨子跑了</a:t>
+              </a:r>
+            </a:p>
+          </p:txBody>
+        </p:sp>
+        <p:sp>
+          <p:nvSpPr>
+            <p:cNvPr id="9" name="矩形 8"/>
+            <p:cNvSpPr/>
+            <p:nvPr/>
+          </p:nvSpPr>
+          <p:spPr>
+            <a:xfrm>
+              <a:off x="6996261" y="1555419"/>
+              <a:ext cx="2036189" cy="886120"/>
+            </a:xfrm>
+            <a:prstGeom prst="rect">
+              <a:avLst/>
+            </a:prstGeom>
+          </p:spPr>
+          <p:style>
+            <a:lnRef idx="3">
+              <a:schemeClr val="lt1"/>
+            </a:lnRef>
+            <a:fillRef idx="1">
+              <a:schemeClr val="dk1"/>
+            </a:fillRef>
+            <a:effectRef idx="1">
+              <a:schemeClr val="dk1"/>
+            </a:effectRef>
+            <a:fontRef idx="minor">
+              <a:schemeClr val="lt1"/>
+            </a:fontRef>
+          </p:style>
+          <p:txBody>
+            <a:bodyPr rtlCol="0" anchor="ctr"/>
+            <a:lstStyle/>
+            <a:p>
+              <a:pPr algn="ctr"/>
+              <a:r>
+                <a:rPr lang="zh-CN" altLang="en-US" dirty="0" smtClean="0">
+                  <a:latin typeface="微软雅黑 Light" panose="020B0502040204020203" pitchFamily="34" charset="-122"/>
+                  <a:ea typeface="微软雅黑 Light" panose="020B0502040204020203" pitchFamily="34" charset="-122"/>
+                </a:rPr>
+                <a:t>先款后货</a:t>
+              </a:r>
+              <a:endParaRPr lang="en-US" altLang="zh-CN" dirty="0" smtClean="0">
                 <a:latin typeface="微软雅黑 Light" panose="020B0502040204020203" pitchFamily="34" charset="-122"/>
                 <a:ea typeface="微软雅黑 Light" panose="020B0502040204020203" pitchFamily="34" charset="-122"/>
-              </a:rPr>
-              <a:t>，人间</a:t>
-            </a:r>
-            <a:r>
-              <a:rPr lang="zh-CN" altLang="en-US" sz="1400" dirty="0">
+              </a:endParaRPr>
+            </a:p>
+            <a:p>
+              <a:pPr algn="ctr"/>
+              <a:r>
+                <a:rPr lang="zh-CN" altLang="en-US" dirty="0" smtClean="0">
+                  <a:latin typeface="微软雅黑 Light" panose="020B0502040204020203" pitchFamily="34" charset="-122"/>
+                  <a:ea typeface="微软雅黑 Light" panose="020B0502040204020203" pitchFamily="34" charset="-122"/>
+                </a:rPr>
+                <a:t>优势不对等</a:t>
+              </a:r>
+              <a:endParaRPr lang="en-US" altLang="zh-CN" dirty="0" smtClean="0">
                 <a:latin typeface="微软雅黑 Light" panose="020B0502040204020203" pitchFamily="34" charset="-122"/>
                 <a:ea typeface="微软雅黑 Light" panose="020B0502040204020203" pitchFamily="34" charset="-122"/>
-              </a:rPr>
-              <a:t>消失</a:t>
-            </a:r>
-            <a:r>
-              <a:rPr lang="zh-CN" altLang="en-US" sz="1400" dirty="0" smtClean="0">
+              </a:endParaRPr>
+            </a:p>
+          </p:txBody>
+        </p:sp>
+        <p:sp>
+          <p:nvSpPr>
+            <p:cNvPr id="10" name="矩形 9"/>
+            <p:cNvSpPr/>
+            <p:nvPr/>
+          </p:nvSpPr>
+          <p:spPr>
+            <a:xfrm>
+              <a:off x="6867428" y="2527175"/>
+              <a:ext cx="2523241" cy="307777"/>
+            </a:xfrm>
+            <a:prstGeom prst="rect">
+              <a:avLst/>
+            </a:prstGeom>
+          </p:spPr>
+          <p:txBody>
+            <a:bodyPr wrap="square">
+              <a:spAutoFit/>
+            </a:bodyPr>
+            <a:lstStyle/>
+            <a:p>
+              <a:pPr marL="285750" indent="-285750">
+                <a:buFont typeface="Arial" panose="020B0604020202020204" pitchFamily="34" charset="0"/>
+                <a:buChar char="•"/>
+              </a:pPr>
+              <a:r>
+                <a:rPr lang="zh-CN" altLang="en-US" sz="1400" dirty="0" smtClean="0">
+                  <a:latin typeface="微软雅黑 Light" panose="020B0502040204020203" pitchFamily="34" charset="-122"/>
+                  <a:ea typeface="微软雅黑 Light" panose="020B0502040204020203" pitchFamily="34" charset="-122"/>
+                </a:rPr>
+                <a:t>先付款还是先发货呢？</a:t>
+              </a:r>
+              <a:endParaRPr lang="zh-CN" altLang="en-US" sz="1400" dirty="0">
                 <a:latin typeface="微软雅黑 Light" panose="020B0502040204020203" pitchFamily="34" charset="-122"/>
                 <a:ea typeface="微软雅黑 Light" panose="020B0502040204020203" pitchFamily="34" charset="-122"/>
-              </a:rPr>
-              <a:t>；</a:t>
-            </a:r>
-            <a:endParaRPr lang="en-US" altLang="zh-CN" sz="1400" dirty="0">
-              <a:latin typeface="微软雅黑 Light" panose="020B0502040204020203" pitchFamily="34" charset="-122"/>
-              <a:ea typeface="微软雅黑 Light" panose="020B0502040204020203" pitchFamily="34" charset="-122"/>
-            </a:endParaRPr>
-          </a:p>
-          <a:p>
-            <a:pPr marL="285750" indent="-285750">
-              <a:buFont typeface="Arial" panose="020B0604020202020204" pitchFamily="34" charset="0"/>
-              <a:buChar char="•"/>
-            </a:pPr>
-            <a:r>
-              <a:rPr lang="zh-CN" altLang="en-US" sz="1400" dirty="0">
-                <a:latin typeface="微软雅黑 Light" panose="020B0502040204020203" pitchFamily="34" charset="-122"/>
-                <a:ea typeface="微软雅黑 Light" panose="020B0502040204020203" pitchFamily="34" charset="-122"/>
-              </a:rPr>
-              <a:t>工厂老板欠下一堆尾款，带着小姨子跑了</a:t>
-            </a:r>
-          </a:p>
-        </p:txBody>
-      </p:sp>
-      <p:sp>
-        <p:nvSpPr>
-          <p:cNvPr id="9" name="矩形 8"/>
-          <p:cNvSpPr/>
-          <p:nvPr/>
-        </p:nvSpPr>
-        <p:spPr>
-          <a:xfrm>
-            <a:off x="6996261" y="1555419"/>
-            <a:ext cx="2036189" cy="886120"/>
-          </a:xfrm>
-          <a:prstGeom prst="rect">
-            <a:avLst/>
-          </a:prstGeom>
-        </p:spPr>
-        <p:style>
-          <a:lnRef idx="3">
-            <a:schemeClr val="lt1"/>
-          </a:lnRef>
-          <a:fillRef idx="1">
-            <a:schemeClr val="dk1"/>
-          </a:fillRef>
-          <a:effectRef idx="1">
-            <a:schemeClr val="dk1"/>
-          </a:effectRef>
-          <a:fontRef idx="minor">
-            <a:schemeClr val="lt1"/>
-          </a:fontRef>
-        </p:style>
-        <p:txBody>
-          <a:bodyPr rtlCol="0" anchor="ctr"/>
-          <a:lstStyle/>
-          <a:p>
-            <a:pPr algn="ctr"/>
-            <a:r>
-              <a:rPr lang="zh-CN" altLang="en-US" dirty="0" smtClean="0">
-                <a:latin typeface="微软雅黑 Light" panose="020B0502040204020203" pitchFamily="34" charset="-122"/>
-                <a:ea typeface="微软雅黑 Light" panose="020B0502040204020203" pitchFamily="34" charset="-122"/>
-              </a:rPr>
-              <a:t>先款后货</a:t>
-            </a:r>
-            <a:endParaRPr lang="en-US" altLang="zh-CN" dirty="0" smtClean="0">
-              <a:latin typeface="微软雅黑 Light" panose="020B0502040204020203" pitchFamily="34" charset="-122"/>
-              <a:ea typeface="微软雅黑 Light" panose="020B0502040204020203" pitchFamily="34" charset="-122"/>
-            </a:endParaRPr>
-          </a:p>
-          <a:p>
-            <a:pPr algn="ctr"/>
-            <a:r>
-              <a:rPr lang="zh-CN" altLang="en-US" dirty="0" smtClean="0">
-                <a:latin typeface="微软雅黑 Light" panose="020B0502040204020203" pitchFamily="34" charset="-122"/>
-                <a:ea typeface="微软雅黑 Light" panose="020B0502040204020203" pitchFamily="34" charset="-122"/>
-              </a:rPr>
-              <a:t>优势不对等</a:t>
-            </a:r>
-            <a:endParaRPr lang="en-US" altLang="zh-CN" dirty="0" smtClean="0">
-              <a:latin typeface="微软雅黑 Light" panose="020B0502040204020203" pitchFamily="34" charset="-122"/>
-              <a:ea typeface="微软雅黑 Light" panose="020B0502040204020203" pitchFamily="34" charset="-122"/>
-            </a:endParaRPr>
-          </a:p>
-        </p:txBody>
-      </p:sp>
-      <p:sp>
-        <p:nvSpPr>
-          <p:cNvPr id="10" name="矩形 9"/>
-          <p:cNvSpPr/>
-          <p:nvPr/>
-        </p:nvSpPr>
-        <p:spPr>
-          <a:xfrm>
-            <a:off x="6867428" y="2527175"/>
-            <a:ext cx="2523241" cy="307777"/>
-          </a:xfrm>
-          <a:prstGeom prst="rect">
-            <a:avLst/>
-          </a:prstGeom>
-        </p:spPr>
-        <p:txBody>
-          <a:bodyPr wrap="square">
-            <a:spAutoFit/>
-          </a:bodyPr>
-          <a:lstStyle/>
-          <a:p>
-            <a:pPr marL="285750" indent="-285750">
-              <a:buFont typeface="Arial" panose="020B0604020202020204" pitchFamily="34" charset="0"/>
-              <a:buChar char="•"/>
-            </a:pPr>
-            <a:r>
-              <a:rPr lang="zh-CN" altLang="en-US" sz="1400" dirty="0" smtClean="0">
-                <a:latin typeface="微软雅黑 Light" panose="020B0502040204020203" pitchFamily="34" charset="-122"/>
-                <a:ea typeface="微软雅黑 Light" panose="020B0502040204020203" pitchFamily="34" charset="-122"/>
-              </a:rPr>
-              <a:t>先付款还是先发货呢？</a:t>
-            </a:r>
-            <a:endParaRPr lang="zh-CN" altLang="en-US" sz="1400" dirty="0">
-              <a:latin typeface="微软雅黑 Light" panose="020B0502040204020203" pitchFamily="34" charset="-122"/>
-              <a:ea typeface="微软雅黑 Light" panose="020B0502040204020203" pitchFamily="34" charset="-122"/>
-            </a:endParaRPr>
-          </a:p>
-        </p:txBody>
-      </p:sp>
-      <p:sp>
-        <p:nvSpPr>
-          <p:cNvPr id="11" name="矩形 10"/>
-          <p:cNvSpPr/>
-          <p:nvPr/>
-        </p:nvSpPr>
-        <p:spPr>
-          <a:xfrm>
-            <a:off x="3355943" y="3559925"/>
-            <a:ext cx="2036189" cy="886120"/>
-          </a:xfrm>
-          <a:prstGeom prst="rect">
-            <a:avLst/>
-          </a:prstGeom>
-        </p:spPr>
-        <p:style>
-          <a:lnRef idx="3">
-            <a:schemeClr val="lt1"/>
-          </a:lnRef>
-          <a:fillRef idx="1">
-            <a:schemeClr val="dk1"/>
-          </a:fillRef>
-          <a:effectRef idx="1">
-            <a:schemeClr val="dk1"/>
-          </a:effectRef>
-          <a:fontRef idx="minor">
-            <a:schemeClr val="lt1"/>
-          </a:fontRef>
-        </p:style>
-        <p:txBody>
-          <a:bodyPr rtlCol="0" anchor="ctr"/>
-          <a:lstStyle/>
-          <a:p>
-            <a:pPr algn="ctr"/>
-            <a:r>
-              <a:rPr lang="zh-CN" altLang="en-US" dirty="0">
+              </a:endParaRPr>
+            </a:p>
+          </p:txBody>
+        </p:sp>
+        <p:sp>
+          <p:nvSpPr>
+            <p:cNvPr id="11" name="矩形 10"/>
+            <p:cNvSpPr/>
+            <p:nvPr/>
+          </p:nvSpPr>
+          <p:spPr>
+            <a:xfrm>
+              <a:off x="3355943" y="3559925"/>
+              <a:ext cx="2036189" cy="886120"/>
+            </a:xfrm>
+            <a:prstGeom prst="rect">
+              <a:avLst/>
+            </a:prstGeom>
+          </p:spPr>
+          <p:style>
+            <a:lnRef idx="3">
+              <a:schemeClr val="lt1"/>
+            </a:lnRef>
+            <a:fillRef idx="1">
+              <a:schemeClr val="dk1"/>
+            </a:fillRef>
+            <a:effectRef idx="1">
+              <a:schemeClr val="dk1"/>
+            </a:effectRef>
+            <a:fontRef idx="minor">
+              <a:schemeClr val="lt1"/>
+            </a:fontRef>
+          </p:style>
+          <p:txBody>
+            <a:bodyPr rtlCol="0" anchor="ctr"/>
+            <a:lstStyle/>
+            <a:p>
+              <a:pPr algn="ctr"/>
+              <a:r>
+                <a:rPr lang="zh-CN" altLang="en-US" dirty="0">
+                  <a:solidFill>
+                    <a:schemeClr val="lt1"/>
+                  </a:solidFill>
+                  <a:latin typeface="微软雅黑 Light" panose="020B0502040204020203" pitchFamily="34" charset="-122"/>
+                  <a:ea typeface="微软雅黑 Light" panose="020B0502040204020203" pitchFamily="34" charset="-122"/>
+                </a:rPr>
+                <a:t>传统信用无流动性</a:t>
+              </a:r>
+              <a:endParaRPr lang="en-US" altLang="zh-CN" dirty="0">
                 <a:solidFill>
                   <a:schemeClr val="lt1"/>
                 </a:solidFill>
                 <a:latin typeface="微软雅黑 Light" panose="020B0502040204020203" pitchFamily="34" charset="-122"/>
                 <a:ea typeface="微软雅黑 Light" panose="020B0502040204020203" pitchFamily="34" charset="-122"/>
-              </a:rPr>
-              <a:t>传统信用无流动性</a:t>
-            </a:r>
-            <a:endParaRPr lang="en-US" altLang="zh-CN" dirty="0">
-              <a:solidFill>
-                <a:schemeClr val="lt1"/>
-              </a:solidFill>
-              <a:latin typeface="微软雅黑 Light" panose="020B0502040204020203" pitchFamily="34" charset="-122"/>
-              <a:ea typeface="微软雅黑 Light" panose="020B0502040204020203" pitchFamily="34" charset="-122"/>
-            </a:endParaRPr>
-          </a:p>
-        </p:txBody>
-      </p:sp>
-      <p:sp>
-        <p:nvSpPr>
-          <p:cNvPr id="12" name="矩形 11"/>
-          <p:cNvSpPr/>
-          <p:nvPr/>
-        </p:nvSpPr>
-        <p:spPr>
-          <a:xfrm>
-            <a:off x="3227110" y="4531681"/>
-            <a:ext cx="2523241" cy="1384995"/>
-          </a:xfrm>
-          <a:prstGeom prst="rect">
-            <a:avLst/>
-          </a:prstGeom>
-        </p:spPr>
-        <p:txBody>
-          <a:bodyPr wrap="square">
-            <a:spAutoFit/>
-          </a:bodyPr>
-          <a:lstStyle/>
-          <a:p>
-            <a:pPr marL="285750" indent="-285750">
-              <a:buFont typeface="Arial" panose="020B0604020202020204" pitchFamily="34" charset="0"/>
-              <a:buChar char="•"/>
-            </a:pPr>
-            <a:r>
-              <a:rPr lang="zh-CN" altLang="en-US" sz="1400" dirty="0" smtClean="0">
+              </a:endParaRPr>
+            </a:p>
+          </p:txBody>
+        </p:sp>
+        <p:sp>
+          <p:nvSpPr>
+            <p:cNvPr id="12" name="矩形 11"/>
+            <p:cNvSpPr/>
+            <p:nvPr/>
+          </p:nvSpPr>
+          <p:spPr>
+            <a:xfrm>
+              <a:off x="3227110" y="4531681"/>
+              <a:ext cx="2523241" cy="1384995"/>
+            </a:xfrm>
+            <a:prstGeom prst="rect">
+              <a:avLst/>
+            </a:prstGeom>
+          </p:spPr>
+          <p:txBody>
+            <a:bodyPr wrap="square">
+              <a:spAutoFit/>
+            </a:bodyPr>
+            <a:lstStyle/>
+            <a:p>
+              <a:pPr marL="285750" indent="-285750">
+                <a:buFont typeface="Arial" panose="020B0604020202020204" pitchFamily="34" charset="0"/>
+                <a:buChar char="•"/>
+              </a:pPr>
+              <a:r>
+                <a:rPr lang="zh-CN" altLang="en-US" sz="1400" dirty="0" smtClean="0">
+                  <a:latin typeface="微软雅黑 Light" panose="020B0502040204020203" pitchFamily="34" charset="-122"/>
+                  <a:ea typeface="微软雅黑 Light" panose="020B0502040204020203" pitchFamily="34" charset="-122"/>
+                </a:rPr>
+                <a:t>在淘宝做到了皇冠店，在京东，拼多多，亚马逊还要再来一遍；</a:t>
+              </a:r>
+              <a:endParaRPr lang="en-US" altLang="zh-CN" sz="1400" dirty="0">
                 <a:latin typeface="微软雅黑 Light" panose="020B0502040204020203" pitchFamily="34" charset="-122"/>
                 <a:ea typeface="微软雅黑 Light" panose="020B0502040204020203" pitchFamily="34" charset="-122"/>
-              </a:rPr>
-              <a:t>在淘宝做到了皇冠店，在京东，拼多多，亚马逊还要再来一遍；</a:t>
-            </a:r>
-            <a:endParaRPr lang="en-US" altLang="zh-CN" sz="1400" dirty="0">
-              <a:latin typeface="微软雅黑 Light" panose="020B0502040204020203" pitchFamily="34" charset="-122"/>
-              <a:ea typeface="微软雅黑 Light" panose="020B0502040204020203" pitchFamily="34" charset="-122"/>
-            </a:endParaRPr>
-          </a:p>
-          <a:p>
-            <a:pPr marL="285750" indent="-285750">
-              <a:buFont typeface="Arial" panose="020B0604020202020204" pitchFamily="34" charset="0"/>
-              <a:buChar char="•"/>
-            </a:pPr>
-            <a:r>
-              <a:rPr lang="zh-CN" altLang="en-US" sz="1400" dirty="0" smtClean="0">
+              </a:endParaRPr>
+            </a:p>
+            <a:p>
+              <a:pPr marL="285750" indent="-285750">
+                <a:buFont typeface="Arial" panose="020B0604020202020204" pitchFamily="34" charset="0"/>
+                <a:buChar char="•"/>
+              </a:pPr>
+              <a:r>
+                <a:rPr lang="zh-CN" altLang="en-US" sz="1400" dirty="0" smtClean="0">
+                  <a:latin typeface="微软雅黑 Light" panose="020B0502040204020203" pitchFamily="34" charset="-122"/>
+                  <a:ea typeface="微软雅黑 Light" panose="020B0502040204020203" pitchFamily="34" charset="-122"/>
+                </a:rPr>
+                <a:t>在朋友间的好信誉，在同事，同学，生意场还要建立一遍。</a:t>
+              </a:r>
+              <a:endParaRPr lang="zh-CN" altLang="en-US" sz="1400" dirty="0">
                 <a:latin typeface="微软雅黑 Light" panose="020B0502040204020203" pitchFamily="34" charset="-122"/>
                 <a:ea typeface="微软雅黑 Light" panose="020B0502040204020203" pitchFamily="34" charset="-122"/>
-              </a:rPr>
-              <a:t>在朋友间的好信誉，在同事，同学，生意场还要建立一遍。</a:t>
-            </a:r>
-            <a:endParaRPr lang="zh-CN" altLang="en-US" sz="1400" dirty="0">
-              <a:latin typeface="微软雅黑 Light" panose="020B0502040204020203" pitchFamily="34" charset="-122"/>
-              <a:ea typeface="微软雅黑 Light" panose="020B0502040204020203" pitchFamily="34" charset="-122"/>
-            </a:endParaRPr>
-          </a:p>
-        </p:txBody>
-      </p:sp>
-      <p:sp>
-        <p:nvSpPr>
-          <p:cNvPr id="13" name="矩形 12"/>
-          <p:cNvSpPr/>
-          <p:nvPr/>
-        </p:nvSpPr>
-        <p:spPr>
-          <a:xfrm>
-            <a:off x="6996261" y="3559925"/>
-            <a:ext cx="2036189" cy="886120"/>
-          </a:xfrm>
-          <a:prstGeom prst="rect">
-            <a:avLst/>
-          </a:prstGeom>
-        </p:spPr>
-        <p:style>
-          <a:lnRef idx="3">
-            <a:schemeClr val="lt1"/>
-          </a:lnRef>
-          <a:fillRef idx="1">
-            <a:schemeClr val="dk1"/>
-          </a:fillRef>
-          <a:effectRef idx="1">
-            <a:schemeClr val="dk1"/>
-          </a:effectRef>
-          <a:fontRef idx="minor">
-            <a:schemeClr val="lt1"/>
-          </a:fontRef>
-        </p:style>
-        <p:txBody>
-          <a:bodyPr rtlCol="0" anchor="ctr"/>
-          <a:lstStyle/>
-          <a:p>
-            <a:pPr algn="ctr"/>
-            <a:r>
-              <a:rPr lang="zh-CN" altLang="en-US" dirty="0">
+              </a:endParaRPr>
+            </a:p>
+          </p:txBody>
+        </p:sp>
+        <p:sp>
+          <p:nvSpPr>
+            <p:cNvPr id="13" name="矩形 12"/>
+            <p:cNvSpPr/>
+            <p:nvPr/>
+          </p:nvSpPr>
+          <p:spPr>
+            <a:xfrm>
+              <a:off x="6996261" y="3559925"/>
+              <a:ext cx="2036189" cy="886120"/>
+            </a:xfrm>
+            <a:prstGeom prst="rect">
+              <a:avLst/>
+            </a:prstGeom>
+          </p:spPr>
+          <p:style>
+            <a:lnRef idx="3">
+              <a:schemeClr val="lt1"/>
+            </a:lnRef>
+            <a:fillRef idx="1">
+              <a:schemeClr val="dk1"/>
+            </a:fillRef>
+            <a:effectRef idx="1">
+              <a:schemeClr val="dk1"/>
+            </a:effectRef>
+            <a:fontRef idx="minor">
+              <a:schemeClr val="lt1"/>
+            </a:fontRef>
+          </p:style>
+          <p:txBody>
+            <a:bodyPr rtlCol="0" anchor="ctr"/>
+            <a:lstStyle/>
+            <a:p>
+              <a:pPr algn="ctr"/>
+              <a:r>
+                <a:rPr lang="zh-CN" altLang="en-US" dirty="0">
+                  <a:solidFill>
+                    <a:schemeClr val="lt1"/>
+                  </a:solidFill>
+                  <a:latin typeface="微软雅黑 Light" panose="020B0502040204020203" pitchFamily="34" charset="-122"/>
+                  <a:ea typeface="微软雅黑 Light" panose="020B0502040204020203" pitchFamily="34" charset="-122"/>
+                </a:rPr>
+                <a:t>契约环境</a:t>
+              </a:r>
+              <a:endParaRPr lang="en-US" altLang="zh-CN" dirty="0">
                 <a:solidFill>
                   <a:schemeClr val="lt1"/>
                 </a:solidFill>
                 <a:latin typeface="微软雅黑 Light" panose="020B0502040204020203" pitchFamily="34" charset="-122"/>
                 <a:ea typeface="微软雅黑 Light" panose="020B0502040204020203" pitchFamily="34" charset="-122"/>
-              </a:rPr>
-              <a:t>契约环境</a:t>
-            </a:r>
-            <a:endParaRPr lang="en-US" altLang="zh-CN" dirty="0">
-              <a:solidFill>
-                <a:schemeClr val="lt1"/>
-              </a:solidFill>
-              <a:latin typeface="微软雅黑 Light" panose="020B0502040204020203" pitchFamily="34" charset="-122"/>
-              <a:ea typeface="微软雅黑 Light" panose="020B0502040204020203" pitchFamily="34" charset="-122"/>
-            </a:endParaRPr>
-          </a:p>
-        </p:txBody>
-      </p:sp>
-      <p:sp>
-        <p:nvSpPr>
-          <p:cNvPr id="14" name="矩形 13"/>
-          <p:cNvSpPr/>
-          <p:nvPr/>
-        </p:nvSpPr>
-        <p:spPr>
-          <a:xfrm>
-            <a:off x="6867428" y="4531681"/>
-            <a:ext cx="2523241" cy="523220"/>
-          </a:xfrm>
-          <a:prstGeom prst="rect">
-            <a:avLst/>
-          </a:prstGeom>
-        </p:spPr>
-        <p:txBody>
-          <a:bodyPr wrap="square">
-            <a:spAutoFit/>
-          </a:bodyPr>
-          <a:lstStyle/>
-          <a:p>
-            <a:pPr marL="285750" indent="-285750">
-              <a:buFont typeface="Arial" panose="020B0604020202020204" pitchFamily="34" charset="0"/>
-              <a:buChar char="•"/>
-            </a:pPr>
-            <a:r>
-              <a:rPr lang="zh-CN" altLang="en-US" sz="1400" dirty="0" smtClean="0">
+              </a:endParaRPr>
+            </a:p>
+          </p:txBody>
+        </p:sp>
+        <p:sp>
+          <p:nvSpPr>
+            <p:cNvPr id="14" name="矩形 13"/>
+            <p:cNvSpPr/>
+            <p:nvPr/>
+          </p:nvSpPr>
+          <p:spPr>
+            <a:xfrm>
+              <a:off x="6867428" y="4531681"/>
+              <a:ext cx="2523241" cy="523220"/>
+            </a:xfrm>
+            <a:prstGeom prst="rect">
+              <a:avLst/>
+            </a:prstGeom>
+          </p:spPr>
+          <p:txBody>
+            <a:bodyPr wrap="square">
+              <a:spAutoFit/>
+            </a:bodyPr>
+            <a:lstStyle/>
+            <a:p>
+              <a:pPr marL="285750" indent="-285750">
+                <a:buFont typeface="Arial" panose="020B0604020202020204" pitchFamily="34" charset="0"/>
+                <a:buChar char="•"/>
+              </a:pPr>
+              <a:r>
+                <a:rPr lang="zh-CN" altLang="en-US" sz="1400" dirty="0" smtClean="0">
+                  <a:latin typeface="微软雅黑 Light" panose="020B0502040204020203" pitchFamily="34" charset="-122"/>
+                  <a:ea typeface="微软雅黑 Light" panose="020B0502040204020203" pitchFamily="34" charset="-122"/>
+                </a:rPr>
+                <a:t>小官司不值得打；</a:t>
+              </a:r>
+              <a:endParaRPr lang="en-US" altLang="zh-CN" sz="1400" dirty="0">
                 <a:latin typeface="微软雅黑 Light" panose="020B0502040204020203" pitchFamily="34" charset="-122"/>
                 <a:ea typeface="微软雅黑 Light" panose="020B0502040204020203" pitchFamily="34" charset="-122"/>
-              </a:rPr>
-              <a:t>小官司不值得打；</a:t>
-            </a:r>
-            <a:endParaRPr lang="en-US" altLang="zh-CN" sz="1400" dirty="0">
-              <a:latin typeface="微软雅黑 Light" panose="020B0502040204020203" pitchFamily="34" charset="-122"/>
-              <a:ea typeface="微软雅黑 Light" panose="020B0502040204020203" pitchFamily="34" charset="-122"/>
-            </a:endParaRPr>
-          </a:p>
-          <a:p>
-            <a:pPr marL="285750" indent="-285750">
-              <a:buFont typeface="Arial" panose="020B0604020202020204" pitchFamily="34" charset="0"/>
-              <a:buChar char="•"/>
-            </a:pPr>
-            <a:r>
-              <a:rPr lang="zh-CN" altLang="en-US" sz="1400" dirty="0" smtClean="0">
+              </a:endParaRPr>
+            </a:p>
+            <a:p>
+              <a:pPr marL="285750" indent="-285750">
+                <a:buFont typeface="Arial" panose="020B0604020202020204" pitchFamily="34" charset="0"/>
+                <a:buChar char="•"/>
+              </a:pPr>
+              <a:r>
+                <a:rPr lang="zh-CN" altLang="en-US" sz="1400" dirty="0" smtClean="0">
+                  <a:latin typeface="微软雅黑 Light" panose="020B0502040204020203" pitchFamily="34" charset="-122"/>
+                  <a:ea typeface="微软雅黑 Light" panose="020B0502040204020203" pitchFamily="34" charset="-122"/>
+                </a:rPr>
+                <a:t>大官司不敢打</a:t>
+              </a:r>
+              <a:r>
+                <a:rPr lang="en-US" altLang="zh-CN" sz="1400" dirty="0" smtClean="0">
+                  <a:latin typeface="微软雅黑 Light" panose="020B0502040204020203" pitchFamily="34" charset="-122"/>
+                  <a:ea typeface="微软雅黑 Light" panose="020B0502040204020203" pitchFamily="34" charset="-122"/>
+                </a:rPr>
+                <a:t>;</a:t>
+              </a:r>
+              <a:endParaRPr lang="zh-CN" altLang="en-US" sz="1400" dirty="0">
                 <a:latin typeface="微软雅黑 Light" panose="020B0502040204020203" pitchFamily="34" charset="-122"/>
                 <a:ea typeface="微软雅黑 Light" panose="020B0502040204020203" pitchFamily="34" charset="-122"/>
-              </a:rPr>
-              <a:t>大官司不敢打</a:t>
-            </a:r>
-            <a:r>
-              <a:rPr lang="en-US" altLang="zh-CN" sz="1400" dirty="0" smtClean="0">
-                <a:latin typeface="微软雅黑 Light" panose="020B0502040204020203" pitchFamily="34" charset="-122"/>
-                <a:ea typeface="微软雅黑 Light" panose="020B0502040204020203" pitchFamily="34" charset="-122"/>
-              </a:rPr>
-              <a:t>;</a:t>
-            </a:r>
-            <a:endParaRPr lang="zh-CN" altLang="en-US" sz="1400" dirty="0">
-              <a:latin typeface="微软雅黑 Light" panose="020B0502040204020203" pitchFamily="34" charset="-122"/>
-              <a:ea typeface="微软雅黑 Light" panose="020B0502040204020203" pitchFamily="34" charset="-122"/>
-            </a:endParaRPr>
-          </a:p>
-        </p:txBody>
-      </p:sp>
+              </a:endParaRPr>
+            </a:p>
+          </p:txBody>
+        </p:sp>
+      </p:grpSp>
     </p:spTree>
     <p:extLst>
       <p:ext uri="{BB962C8B-B14F-4D97-AF65-F5344CB8AC3E}">
